--- a/Documentation/SemiSupervisedMethodsInConditionMonitoring.pptx
+++ b/Documentation/SemiSupervisedMethodsInConditionMonitoring.pptx
@@ -5,10 +5,10 @@
     <p:sldMasterId id="2147483649" r:id="rId1"/>
   </p:sldMasterIdLst>
   <p:notesMasterIdLst>
-    <p:notesMasterId r:id="rId14"/>
+    <p:notesMasterId r:id="rId38"/>
   </p:notesMasterIdLst>
   <p:handoutMasterIdLst>
-    <p:handoutMasterId r:id="rId15"/>
+    <p:handoutMasterId r:id="rId39"/>
   </p:handoutMasterIdLst>
   <p:sldIdLst>
     <p:sldId id="256" r:id="rId2"/>
@@ -23,11 +23,35 @@
     <p:sldId id="268" r:id="rId11"/>
     <p:sldId id="261" r:id="rId12"/>
     <p:sldId id="269" r:id="rId13"/>
+    <p:sldId id="270" r:id="rId14"/>
+    <p:sldId id="271" r:id="rId15"/>
+    <p:sldId id="272" r:id="rId16"/>
+    <p:sldId id="274" r:id="rId17"/>
+    <p:sldId id="275" r:id="rId18"/>
+    <p:sldId id="282" r:id="rId19"/>
+    <p:sldId id="278" r:id="rId20"/>
+    <p:sldId id="287" r:id="rId21"/>
+    <p:sldId id="299" r:id="rId22"/>
+    <p:sldId id="294" r:id="rId23"/>
+    <p:sldId id="301" r:id="rId24"/>
+    <p:sldId id="302" r:id="rId25"/>
+    <p:sldId id="303" r:id="rId26"/>
+    <p:sldId id="304" r:id="rId27"/>
+    <p:sldId id="305" r:id="rId28"/>
+    <p:sldId id="306" r:id="rId29"/>
+    <p:sldId id="307" r:id="rId30"/>
+    <p:sldId id="308" r:id="rId31"/>
+    <p:sldId id="309" r:id="rId32"/>
+    <p:sldId id="310" r:id="rId33"/>
+    <p:sldId id="311" r:id="rId34"/>
+    <p:sldId id="312" r:id="rId35"/>
+    <p:sldId id="313" r:id="rId36"/>
+    <p:sldId id="314" r:id="rId37"/>
   </p:sldIdLst>
   <p:sldSz cx="9144000" cy="6858000" type="screen4x3"/>
   <p:notesSz cx="6858000" cy="9144000"/>
   <p:custDataLst>
-    <p:tags r:id="rId16"/>
+    <p:tags r:id="rId40"/>
   </p:custDataLst>
   <p:defaultTextStyle>
     <a:defPPr>
@@ -297,7 +321,7 @@
             <a:fld id="{0BAA8257-9383-4363-9C79-3E8643B51DA6}" type="datetime1">
               <a:rPr lang="de-DE"/>
               <a:pPr/>
-              <a:t>15.07.2013</a:t>
+              <a:t>17.07.2013</a:t>
             </a:fld>
             <a:endParaRPr lang="de-DE"/>
           </a:p>
@@ -576,7 +600,7 @@
             <a:fld id="{2B2690EF-7428-44E3-8C6D-0DF4E66EF3AB}" type="datetime1">
               <a:rPr lang="de-DE"/>
               <a:pPr/>
-              <a:t>15.07.2013</a:t>
+              <a:t>17.07.2013</a:t>
             </a:fld>
             <a:endParaRPr lang="de-DE"/>
           </a:p>
@@ -1461,7 +1485,7 @@
             <a:fld id="{80C9CFB2-C2A2-466F-9A9D-55207007DCAA}" type="datetime1">
               <a:rPr lang="de-DE"/>
               <a:pPr/>
-              <a:t>15.07.2013</a:t>
+              <a:t>17.07.2013</a:t>
             </a:fld>
             <a:endParaRPr lang="de-DE"/>
           </a:p>
@@ -1674,7 +1698,7 @@
             <a:fld id="{70843FFB-B759-40E5-BDA0-DA7E379EA0FE}" type="datetime1">
               <a:rPr lang="de-DE"/>
               <a:pPr/>
-              <a:t>15.07.2013</a:t>
+              <a:t>17.07.2013</a:t>
             </a:fld>
             <a:endParaRPr lang="de-DE"/>
           </a:p>
@@ -1798,7 +1822,7 @@
           </a:lstStyle>
           <a:p>
             <a:r>
-              <a:rPr lang="de-DE" smtClean="0"/>
+              <a:rPr lang="de-DE" dirty="0" smtClean="0"/>
               <a:t>Titelmasterformat durch Klicken bearbeiten</a:t>
             </a:r>
             <a:endParaRPr lang="de-DE" dirty="0"/>
@@ -1881,7 +1905,7 @@
             <a:fld id="{03B44CDA-7D88-4264-B0E0-D9AD28CBE73B}" type="datetime1">
               <a:rPr lang="de-DE"/>
               <a:pPr/>
-              <a:t>15.07.2013</a:t>
+              <a:t>17.07.2013</a:t>
             </a:fld>
             <a:endParaRPr lang="de-DE"/>
           </a:p>
@@ -2106,7 +2130,7 @@
             <a:fld id="{1F1E0E69-EC8C-4B55-B000-A21B4F200C17}" type="datetime1">
               <a:rPr lang="de-DE"/>
               <a:pPr/>
-              <a:t>15.07.2013</a:t>
+              <a:t>17.07.2013</a:t>
             </a:fld>
             <a:endParaRPr lang="de-DE"/>
           </a:p>
@@ -2427,7 +2451,7 @@
             <a:fld id="{3445AF6D-F46D-415C-AD3E-77E0038AE70E}" type="datetime1">
               <a:rPr lang="de-DE"/>
               <a:pPr/>
-              <a:t>15.07.2013</a:t>
+              <a:t>17.07.2013</a:t>
             </a:fld>
             <a:endParaRPr lang="de-DE"/>
           </a:p>
@@ -2887,7 +2911,7 @@
             <a:fld id="{B73EFD57-F3EC-46D7-99C5-D27763E7C6E7}" type="datetime1">
               <a:rPr lang="de-DE"/>
               <a:pPr/>
-              <a:t>15.07.2013</a:t>
+              <a:t>17.07.2013</a:t>
             </a:fld>
             <a:endParaRPr lang="de-DE"/>
           </a:p>
@@ -3038,7 +3062,7 @@
             <a:fld id="{D10A3354-FE10-4AE5-BC69-7D7B7DD72453}" type="datetime1">
               <a:rPr lang="de-DE"/>
               <a:pPr/>
-              <a:t>15.07.2013</a:t>
+              <a:t>17.07.2013</a:t>
             </a:fld>
             <a:endParaRPr lang="de-DE"/>
           </a:p>
@@ -3166,7 +3190,7 @@
             <a:fld id="{15AA6C8F-EBA3-4DD5-BD96-4D9492A5DAA3}" type="datetime1">
               <a:rPr lang="de-DE"/>
               <a:pPr/>
-              <a:t>15.07.2013</a:t>
+              <a:t>17.07.2013</a:t>
             </a:fld>
             <a:endParaRPr lang="de-DE"/>
           </a:p>
@@ -3476,7 +3500,7 @@
             <a:fld id="{A0AEE9D6-2597-4638-9A15-688030BA3E82}" type="datetime1">
               <a:rPr lang="de-DE"/>
               <a:pPr/>
-              <a:t>15.07.2013</a:t>
+              <a:t>17.07.2013</a:t>
             </a:fld>
             <a:endParaRPr lang="de-DE"/>
           </a:p>
@@ -3674,7 +3698,6 @@
               <a:rPr lang="de-DE" noProof="0" smtClean="0"/>
               <a:t>Bild durch Klicken auf Symbol hinzufügen</a:t>
             </a:r>
-            <a:endParaRPr lang="de-DE" noProof="0" smtClean="0"/>
           </a:p>
         </p:txBody>
       </p:sp>
@@ -3767,7 +3790,7 @@
             <a:fld id="{B1851BDD-97EF-496F-A69C-E8C566C1C58A}" type="datetime1">
               <a:rPr lang="de-DE"/>
               <a:pPr/>
-              <a:t>15.07.2013</a:t>
+              <a:t>17.07.2013</a:t>
             </a:fld>
             <a:endParaRPr lang="de-DE"/>
           </a:p>
@@ -4133,7 +4156,7 @@
             <a:fld id="{7FDAFA23-E311-4378-990F-5FCA161EBB96}" type="datetime1">
               <a:rPr lang="de-DE"/>
               <a:pPr/>
-              <a:t>15.07.2013</a:t>
+              <a:t>17.07.2013</a:t>
             </a:fld>
             <a:endParaRPr lang="de-DE"/>
           </a:p>
@@ -4769,16 +4792,8 @@
           <a:p>
             <a:pPr algn="ctr" eaLnBrk="1" hangingPunct="1"/>
             <a:r>
-              <a:rPr lang="de-DE" dirty="0"/>
-              <a:t> </a:t>
-            </a:r>
-            <a:r>
-              <a:rPr lang="de-DE" dirty="0" smtClean="0"/>
-              <a:t>  Semi-</a:t>
-            </a:r>
-            <a:r>
               <a:rPr lang="de-DE" dirty="0" err="1" smtClean="0"/>
-              <a:t>Supervised</a:t>
+              <a:t>Outlier</a:t>
             </a:r>
             <a:r>
               <a:rPr lang="de-DE" dirty="0" smtClean="0"/>
@@ -4786,24 +4801,35 @@
             </a:r>
             <a:r>
               <a:rPr lang="de-DE" dirty="0" err="1" smtClean="0"/>
-              <a:t>Methods</a:t>
+              <a:t>Detection</a:t>
             </a:r>
             <a:r>
               <a:rPr lang="de-DE" dirty="0" smtClean="0"/>
               <a:t> in</a:t>
+            </a:r>
+            <a:r>
+              <a:rPr lang="de-DE" dirty="0" smtClean="0"/>
+              <a:t/>
             </a:r>
             <a:br>
               <a:rPr lang="de-DE" dirty="0" smtClean="0"/>
             </a:br>
             <a:r>
+              <a:rPr lang="de-DE" dirty="0" smtClean="0"/>
+              <a:t> </a:t>
+            </a:r>
+            <a:r>
               <a:rPr lang="de-DE" dirty="0" err="1" smtClean="0"/>
               <a:t>Condition</a:t>
             </a:r>
             <a:r>
               <a:rPr lang="de-DE" dirty="0" smtClean="0"/>
-              <a:t> Monitoring </a:t>
-            </a:r>
-            <a:endParaRPr lang="de-DE" dirty="0" smtClean="0"/>
+              <a:t> </a:t>
+            </a:r>
+            <a:r>
+              <a:rPr lang="de-DE" dirty="0" smtClean="0"/>
+              <a:t>Monitoring </a:t>
+            </a:r>
           </a:p>
         </p:txBody>
       </p:sp>
@@ -4958,7 +4984,7 @@
             <a:fld id="{3445AF6D-F46D-415C-AD3E-77E0038AE70E}" type="datetime1">
               <a:rPr lang="de-DE" smtClean="0"/>
               <a:pPr/>
-              <a:t>15.07.2013</a:t>
+              <a:t>17.07.2013</a:t>
             </a:fld>
             <a:endParaRPr lang="de-DE"/>
           </a:p>
@@ -5153,7 +5179,7 @@
             <a:fld id="{3445AF6D-F46D-415C-AD3E-77E0038AE70E}" type="datetime1">
               <a:rPr lang="de-DE" smtClean="0"/>
               <a:pPr/>
-              <a:t>15.07.2013</a:t>
+              <a:t>17.07.2013</a:t>
             </a:fld>
             <a:endParaRPr lang="de-DE"/>
           </a:p>
@@ -5298,7 +5324,7 @@
               <a:t>Data Analysis / Feature </a:t>
             </a:r>
             <a:r>
-              <a:rPr lang="de-DE" smtClean="0"/>
+              <a:rPr lang="de-DE" dirty="0" err="1" smtClean="0"/>
               <a:t>Extraction</a:t>
             </a:r>
             <a:endParaRPr lang="de-DE" dirty="0"/>
@@ -5342,7 +5368,7 @@
             <a:fld id="{03B44CDA-7D88-4264-B0E0-D9AD28CBE73B}" type="datetime1">
               <a:rPr lang="de-DE" smtClean="0"/>
               <a:pPr/>
-              <a:t>15.07.2013</a:t>
+              <a:t>17.07.2013</a:t>
             </a:fld>
             <a:endParaRPr lang="de-DE"/>
           </a:p>
@@ -5415,6 +5441,1445 @@
       </p:par>
     </p:tnLst>
   </p:timing>
+</p:sld>
+</file>
+
+<file path=ppt/slides/slide13.xml><?xml version="1.0" encoding="utf-8"?>
+<p:sld xmlns:a="http://schemas.openxmlformats.org/drawingml/2006/main" xmlns:r="http://schemas.openxmlformats.org/officeDocument/2006/relationships" xmlns:p="http://schemas.openxmlformats.org/presentationml/2006/main">
+  <p:cSld>
+    <p:spTree>
+      <p:nvGrpSpPr>
+        <p:cNvPr id="1" name=""/>
+        <p:cNvGrpSpPr/>
+        <p:nvPr/>
+      </p:nvGrpSpPr>
+      <p:grpSpPr>
+        <a:xfrm>
+          <a:off x="0" y="0"/>
+          <a:ext cx="0" cy="0"/>
+          <a:chOff x="0" y="0"/>
+          <a:chExt cx="0" cy="0"/>
+        </a:xfrm>
+      </p:grpSpPr>
+      <p:sp>
+        <p:nvSpPr>
+          <p:cNvPr id="2" name="Titel 1"/>
+          <p:cNvSpPr>
+            <a:spLocks noGrp="1"/>
+          </p:cNvSpPr>
+          <p:nvPr>
+            <p:ph type="title"/>
+          </p:nvPr>
+        </p:nvSpPr>
+        <p:spPr/>
+        <p:txBody>
+          <a:bodyPr/>
+          <a:lstStyle/>
+          <a:p>
+            <a:r>
+              <a:rPr lang="de-DE" dirty="0" err="1" smtClean="0"/>
+              <a:t>One</a:t>
+            </a:r>
+            <a:r>
+              <a:rPr lang="de-DE" dirty="0" smtClean="0"/>
+              <a:t>-Class-</a:t>
+            </a:r>
+            <a:r>
+              <a:rPr lang="de-DE" dirty="0" err="1" smtClean="0"/>
+              <a:t>Classification</a:t>
+            </a:r>
+            <a:r>
+              <a:rPr lang="de-DE" dirty="0" smtClean="0"/>
+              <a:t> </a:t>
+            </a:r>
+            <a:endParaRPr lang="de-DE" dirty="0"/>
+          </a:p>
+        </p:txBody>
+      </p:sp>
+      <p:sp>
+        <p:nvSpPr>
+          <p:cNvPr id="3" name="Inhaltsplatzhalter 2"/>
+          <p:cNvSpPr>
+            <a:spLocks noGrp="1"/>
+          </p:cNvSpPr>
+          <p:nvPr>
+            <p:ph idx="1"/>
+          </p:nvPr>
+        </p:nvSpPr>
+        <p:spPr/>
+        <p:txBody>
+          <a:bodyPr/>
+          <a:lstStyle/>
+          <a:p>
+            <a:pPr>
+              <a:buFont typeface="Arial" pitchFamily="34" charset="0"/>
+              <a:buChar char="•"/>
+            </a:pPr>
+            <a:endParaRPr lang="de-DE" dirty="0" smtClean="0"/>
+          </a:p>
+        </p:txBody>
+      </p:sp>
+      <p:sp>
+        <p:nvSpPr>
+          <p:cNvPr id="4" name="Datumsplatzhalter 3"/>
+          <p:cNvSpPr>
+            <a:spLocks noGrp="1"/>
+          </p:cNvSpPr>
+          <p:nvPr>
+            <p:ph type="dt" sz="half" idx="10"/>
+          </p:nvPr>
+        </p:nvSpPr>
+        <p:spPr/>
+        <p:txBody>
+          <a:bodyPr/>
+          <a:lstStyle/>
+          <a:p>
+            <a:fld id="{03B44CDA-7D88-4264-B0E0-D9AD28CBE73B}" type="datetime1">
+              <a:rPr lang="de-DE" smtClean="0"/>
+              <a:pPr/>
+              <a:t>17.07.2013</a:t>
+            </a:fld>
+            <a:endParaRPr lang="de-DE"/>
+          </a:p>
+        </p:txBody>
+      </p:sp>
+      <p:sp>
+        <p:nvSpPr>
+          <p:cNvPr id="5" name="Fußzeilenplatzhalter 4"/>
+          <p:cNvSpPr>
+            <a:spLocks noGrp="1"/>
+          </p:cNvSpPr>
+          <p:nvPr>
+            <p:ph type="ftr" sz="quarter" idx="11"/>
+          </p:nvPr>
+        </p:nvSpPr>
+        <p:spPr/>
+        <p:txBody>
+          <a:bodyPr/>
+          <a:lstStyle/>
+          <a:p>
+            <a:pPr>
+              <a:defRPr/>
+            </a:pPr>
+            <a:r>
+              <a:rPr lang="de-DE" smtClean="0"/>
+              <a:t>Präsentationstitel</a:t>
+            </a:r>
+            <a:endParaRPr lang="de-DE"/>
+          </a:p>
+        </p:txBody>
+      </p:sp>
+      <p:sp>
+        <p:nvSpPr>
+          <p:cNvPr id="6" name="Foliennummernplatzhalter 5"/>
+          <p:cNvSpPr>
+            <a:spLocks noGrp="1"/>
+          </p:cNvSpPr>
+          <p:nvPr>
+            <p:ph type="sldNum" sz="quarter" idx="12"/>
+          </p:nvPr>
+        </p:nvSpPr>
+        <p:spPr/>
+        <p:txBody>
+          <a:bodyPr/>
+          <a:lstStyle/>
+          <a:p>
+            <a:fld id="{53CDBF7D-AB53-4FC1-97D1-361B45D487EB}" type="slidenum">
+              <a:rPr lang="de-DE" smtClean="0"/>
+              <a:pPr/>
+              <a:t>13</a:t>
+            </a:fld>
+            <a:endParaRPr lang="de-DE"/>
+          </a:p>
+        </p:txBody>
+      </p:sp>
+    </p:spTree>
+    <p:extLst>
+      <p:ext uri="{BB962C8B-B14F-4D97-AF65-F5344CB8AC3E}">
+        <p14:creationId xmlns:p14="http://schemas.microsoft.com/office/powerpoint/2010/main" val="3197635578"/>
+      </p:ext>
+    </p:extLst>
+  </p:cSld>
+  <p:clrMapOvr>
+    <a:masterClrMapping/>
+  </p:clrMapOvr>
+</p:sld>
+</file>
+
+<file path=ppt/slides/slide14.xml><?xml version="1.0" encoding="utf-8"?>
+<p:sld xmlns:a="http://schemas.openxmlformats.org/drawingml/2006/main" xmlns:r="http://schemas.openxmlformats.org/officeDocument/2006/relationships" xmlns:p="http://schemas.openxmlformats.org/presentationml/2006/main">
+  <p:cSld>
+    <p:spTree>
+      <p:nvGrpSpPr>
+        <p:cNvPr id="1" name=""/>
+        <p:cNvGrpSpPr/>
+        <p:nvPr/>
+      </p:nvGrpSpPr>
+      <p:grpSpPr>
+        <a:xfrm>
+          <a:off x="0" y="0"/>
+          <a:ext cx="0" cy="0"/>
+          <a:chOff x="0" y="0"/>
+          <a:chExt cx="0" cy="0"/>
+        </a:xfrm>
+      </p:grpSpPr>
+      <p:sp>
+        <p:nvSpPr>
+          <p:cNvPr id="2" name="Titel 1"/>
+          <p:cNvSpPr>
+            <a:spLocks noGrp="1"/>
+          </p:cNvSpPr>
+          <p:nvPr>
+            <p:ph type="title"/>
+          </p:nvPr>
+        </p:nvSpPr>
+        <p:spPr/>
+        <p:txBody>
+          <a:bodyPr/>
+          <a:lstStyle/>
+          <a:p>
+            <a:r>
+              <a:rPr lang="de-DE" dirty="0" err="1" smtClean="0"/>
+              <a:t>Supervised</a:t>
+            </a:r>
+            <a:r>
+              <a:rPr lang="de-DE" dirty="0" smtClean="0"/>
+              <a:t> </a:t>
+            </a:r>
+            <a:r>
+              <a:rPr lang="de-DE" dirty="0" err="1" smtClean="0"/>
+              <a:t>Classification</a:t>
+            </a:r>
+            <a:endParaRPr lang="de-DE" dirty="0"/>
+          </a:p>
+        </p:txBody>
+      </p:sp>
+      <p:sp>
+        <p:nvSpPr>
+          <p:cNvPr id="4" name="Inhaltsplatzhalter 3"/>
+          <p:cNvSpPr>
+            <a:spLocks noGrp="1"/>
+          </p:cNvSpPr>
+          <p:nvPr>
+            <p:ph sz="half" idx="2"/>
+          </p:nvPr>
+        </p:nvSpPr>
+        <p:spPr>
+          <a:xfrm>
+            <a:off x="5004047" y="1988840"/>
+            <a:ext cx="3066199" cy="4246860"/>
+          </a:xfrm>
+        </p:spPr>
+        <p:txBody>
+          <a:bodyPr/>
+          <a:lstStyle/>
+          <a:p>
+            <a:pPr marL="0" indent="0">
+              <a:buNone/>
+            </a:pPr>
+            <a:endParaRPr lang="de-DE" dirty="0"/>
+          </a:p>
+        </p:txBody>
+      </p:sp>
+      <p:sp>
+        <p:nvSpPr>
+          <p:cNvPr id="5" name="Datumsplatzhalter 4"/>
+          <p:cNvSpPr>
+            <a:spLocks noGrp="1"/>
+          </p:cNvSpPr>
+          <p:nvPr>
+            <p:ph type="dt" sz="half" idx="10"/>
+          </p:nvPr>
+        </p:nvSpPr>
+        <p:spPr/>
+        <p:txBody>
+          <a:bodyPr/>
+          <a:lstStyle/>
+          <a:p>
+            <a:fld id="{3445AF6D-F46D-415C-AD3E-77E0038AE70E}" type="datetime1">
+              <a:rPr lang="de-DE" smtClean="0"/>
+              <a:pPr/>
+              <a:t>17.07.2013</a:t>
+            </a:fld>
+            <a:endParaRPr lang="de-DE"/>
+          </a:p>
+        </p:txBody>
+      </p:sp>
+      <p:sp>
+        <p:nvSpPr>
+          <p:cNvPr id="6" name="Fußzeilenplatzhalter 5"/>
+          <p:cNvSpPr>
+            <a:spLocks noGrp="1"/>
+          </p:cNvSpPr>
+          <p:nvPr>
+            <p:ph type="ftr" sz="quarter" idx="11"/>
+          </p:nvPr>
+        </p:nvSpPr>
+        <p:spPr/>
+        <p:txBody>
+          <a:bodyPr/>
+          <a:lstStyle/>
+          <a:p>
+            <a:pPr>
+              <a:defRPr/>
+            </a:pPr>
+            <a:r>
+              <a:rPr lang="de-DE" smtClean="0"/>
+              <a:t>Präsentationstitel</a:t>
+            </a:r>
+            <a:endParaRPr lang="de-DE"/>
+          </a:p>
+        </p:txBody>
+      </p:sp>
+      <p:sp>
+        <p:nvSpPr>
+          <p:cNvPr id="7" name="Foliennummernplatzhalter 6"/>
+          <p:cNvSpPr>
+            <a:spLocks noGrp="1"/>
+          </p:cNvSpPr>
+          <p:nvPr>
+            <p:ph type="sldNum" sz="quarter" idx="12"/>
+          </p:nvPr>
+        </p:nvSpPr>
+        <p:spPr/>
+        <p:txBody>
+          <a:bodyPr/>
+          <a:lstStyle/>
+          <a:p>
+            <a:fld id="{5F9299EF-AC70-49B0-AC02-B1CDF7ABB087}" type="slidenum">
+              <a:rPr lang="de-DE" smtClean="0"/>
+              <a:pPr/>
+              <a:t>14</a:t>
+            </a:fld>
+            <a:endParaRPr lang="de-DE"/>
+          </a:p>
+        </p:txBody>
+      </p:sp>
+      <p:sp>
+        <p:nvSpPr>
+          <p:cNvPr id="14" name="Textfeld 13"/>
+          <p:cNvSpPr txBox="1"/>
+          <p:nvPr/>
+        </p:nvSpPr>
+        <p:spPr>
+          <a:xfrm>
+            <a:off x="366110" y="1340768"/>
+            <a:ext cx="7704136" cy="523220"/>
+          </a:xfrm>
+          <a:prstGeom prst="rect">
+            <a:avLst/>
+          </a:prstGeom>
+          <a:noFill/>
+        </p:spPr>
+        <p:txBody>
+          <a:bodyPr wrap="square" rtlCol="0">
+            <a:spAutoFit/>
+          </a:bodyPr>
+          <a:lstStyle/>
+          <a:p>
+            <a:pPr algn="ctr"/>
+            <a:r>
+              <a:rPr lang="de-DE" sz="2800" dirty="0" smtClean="0"/>
+              <a:t>Multi-</a:t>
+            </a:r>
+            <a:r>
+              <a:rPr lang="de-DE" sz="2800" dirty="0" err="1" smtClean="0"/>
+              <a:t>class</a:t>
+            </a:r>
+            <a:r>
+              <a:rPr lang="de-DE" sz="2800" dirty="0" smtClean="0"/>
+              <a:t>-training</a:t>
+            </a:r>
+            <a:endParaRPr lang="de-DE" sz="2800" dirty="0"/>
+          </a:p>
+        </p:txBody>
+      </p:sp>
+      <p:pic>
+        <p:nvPicPr>
+          <p:cNvPr id="21" name="Inhaltsplatzhalter 20"/>
+          <p:cNvPicPr>
+            <a:picLocks noGrp="1" noChangeAspect="1"/>
+          </p:cNvPicPr>
+          <p:nvPr>
+            <p:ph sz="half" idx="1"/>
+          </p:nvPr>
+        </p:nvPicPr>
+        <p:blipFill>
+          <a:blip r:embed="rId2">
+            <a:extLst>
+              <a:ext uri="{28A0092B-C50C-407E-A947-70E740481C1C}">
+                <a14:useLocalDpi xmlns:a14="http://schemas.microsoft.com/office/drawing/2010/main" val="0"/>
+              </a:ext>
+            </a:extLst>
+          </a:blip>
+          <a:stretch>
+            <a:fillRect/>
+          </a:stretch>
+        </p:blipFill>
+        <p:spPr>
+          <a:xfrm>
+            <a:off x="368300" y="1988840"/>
+            <a:ext cx="4563740" cy="4246860"/>
+          </a:xfrm>
+        </p:spPr>
+      </p:pic>
+    </p:spTree>
+    <p:extLst>
+      <p:ext uri="{BB962C8B-B14F-4D97-AF65-F5344CB8AC3E}">
+        <p14:creationId xmlns:p14="http://schemas.microsoft.com/office/powerpoint/2010/main" val="1833446065"/>
+      </p:ext>
+    </p:extLst>
+  </p:cSld>
+  <p:clrMapOvr>
+    <a:masterClrMapping/>
+  </p:clrMapOvr>
+</p:sld>
+</file>
+
+<file path=ppt/slides/slide15.xml><?xml version="1.0" encoding="utf-8"?>
+<p:sld xmlns:a="http://schemas.openxmlformats.org/drawingml/2006/main" xmlns:r="http://schemas.openxmlformats.org/officeDocument/2006/relationships" xmlns:p="http://schemas.openxmlformats.org/presentationml/2006/main">
+  <p:cSld>
+    <p:spTree>
+      <p:nvGrpSpPr>
+        <p:cNvPr id="1" name=""/>
+        <p:cNvGrpSpPr/>
+        <p:nvPr/>
+      </p:nvGrpSpPr>
+      <p:grpSpPr>
+        <a:xfrm>
+          <a:off x="0" y="0"/>
+          <a:ext cx="0" cy="0"/>
+          <a:chOff x="0" y="0"/>
+          <a:chExt cx="0" cy="0"/>
+        </a:xfrm>
+      </p:grpSpPr>
+      <p:sp>
+        <p:nvSpPr>
+          <p:cNvPr id="2" name="Titel 1"/>
+          <p:cNvSpPr>
+            <a:spLocks noGrp="1"/>
+          </p:cNvSpPr>
+          <p:nvPr>
+            <p:ph type="title"/>
+          </p:nvPr>
+        </p:nvSpPr>
+        <p:spPr/>
+        <p:txBody>
+          <a:bodyPr/>
+          <a:lstStyle/>
+          <a:p>
+            <a:r>
+              <a:rPr lang="de-DE" dirty="0" err="1" smtClean="0"/>
+              <a:t>Supervised</a:t>
+            </a:r>
+            <a:r>
+              <a:rPr lang="de-DE" dirty="0" smtClean="0"/>
+              <a:t> </a:t>
+            </a:r>
+            <a:r>
+              <a:rPr lang="de-DE" dirty="0" err="1" smtClean="0"/>
+              <a:t>Classification</a:t>
+            </a:r>
+            <a:endParaRPr lang="de-DE" dirty="0"/>
+          </a:p>
+        </p:txBody>
+      </p:sp>
+      <p:sp>
+        <p:nvSpPr>
+          <p:cNvPr id="4" name="Inhaltsplatzhalter 3"/>
+          <p:cNvSpPr>
+            <a:spLocks noGrp="1"/>
+          </p:cNvSpPr>
+          <p:nvPr>
+            <p:ph sz="half" idx="2"/>
+          </p:nvPr>
+        </p:nvSpPr>
+        <p:spPr>
+          <a:xfrm>
+            <a:off x="5004047" y="1988840"/>
+            <a:ext cx="3066199" cy="4246860"/>
+          </a:xfrm>
+        </p:spPr>
+        <p:txBody>
+          <a:bodyPr/>
+          <a:lstStyle/>
+          <a:p>
+            <a:pPr marL="0" indent="0">
+              <a:buNone/>
+            </a:pPr>
+            <a:endParaRPr lang="de-DE" dirty="0"/>
+          </a:p>
+        </p:txBody>
+      </p:sp>
+      <p:sp>
+        <p:nvSpPr>
+          <p:cNvPr id="5" name="Datumsplatzhalter 4"/>
+          <p:cNvSpPr>
+            <a:spLocks noGrp="1"/>
+          </p:cNvSpPr>
+          <p:nvPr>
+            <p:ph type="dt" sz="half" idx="10"/>
+          </p:nvPr>
+        </p:nvSpPr>
+        <p:spPr/>
+        <p:txBody>
+          <a:bodyPr/>
+          <a:lstStyle/>
+          <a:p>
+            <a:fld id="{3445AF6D-F46D-415C-AD3E-77E0038AE70E}" type="datetime1">
+              <a:rPr lang="de-DE" smtClean="0"/>
+              <a:pPr/>
+              <a:t>17.07.2013</a:t>
+            </a:fld>
+            <a:endParaRPr lang="de-DE"/>
+          </a:p>
+        </p:txBody>
+      </p:sp>
+      <p:sp>
+        <p:nvSpPr>
+          <p:cNvPr id="6" name="Fußzeilenplatzhalter 5"/>
+          <p:cNvSpPr>
+            <a:spLocks noGrp="1"/>
+          </p:cNvSpPr>
+          <p:nvPr>
+            <p:ph type="ftr" sz="quarter" idx="11"/>
+          </p:nvPr>
+        </p:nvSpPr>
+        <p:spPr/>
+        <p:txBody>
+          <a:bodyPr/>
+          <a:lstStyle/>
+          <a:p>
+            <a:pPr>
+              <a:defRPr/>
+            </a:pPr>
+            <a:r>
+              <a:rPr lang="de-DE" smtClean="0"/>
+              <a:t>Präsentationstitel</a:t>
+            </a:r>
+            <a:endParaRPr lang="de-DE"/>
+          </a:p>
+        </p:txBody>
+      </p:sp>
+      <p:sp>
+        <p:nvSpPr>
+          <p:cNvPr id="7" name="Foliennummernplatzhalter 6"/>
+          <p:cNvSpPr>
+            <a:spLocks noGrp="1"/>
+          </p:cNvSpPr>
+          <p:nvPr>
+            <p:ph type="sldNum" sz="quarter" idx="12"/>
+          </p:nvPr>
+        </p:nvSpPr>
+        <p:spPr/>
+        <p:txBody>
+          <a:bodyPr/>
+          <a:lstStyle/>
+          <a:p>
+            <a:fld id="{5F9299EF-AC70-49B0-AC02-B1CDF7ABB087}" type="slidenum">
+              <a:rPr lang="de-DE" smtClean="0"/>
+              <a:pPr/>
+              <a:t>15</a:t>
+            </a:fld>
+            <a:endParaRPr lang="de-DE"/>
+          </a:p>
+        </p:txBody>
+      </p:sp>
+      <p:sp>
+        <p:nvSpPr>
+          <p:cNvPr id="14" name="Textfeld 13"/>
+          <p:cNvSpPr txBox="1"/>
+          <p:nvPr/>
+        </p:nvSpPr>
+        <p:spPr>
+          <a:xfrm>
+            <a:off x="366110" y="1340768"/>
+            <a:ext cx="7704136" cy="523220"/>
+          </a:xfrm>
+          <a:prstGeom prst="rect">
+            <a:avLst/>
+          </a:prstGeom>
+          <a:noFill/>
+        </p:spPr>
+        <p:txBody>
+          <a:bodyPr wrap="square" rtlCol="0">
+            <a:spAutoFit/>
+          </a:bodyPr>
+          <a:lstStyle/>
+          <a:p>
+            <a:pPr algn="ctr"/>
+            <a:r>
+              <a:rPr lang="de-DE" sz="2800" dirty="0" smtClean="0"/>
+              <a:t>Multi-</a:t>
+            </a:r>
+            <a:r>
+              <a:rPr lang="de-DE" sz="2800" dirty="0" err="1" smtClean="0"/>
+              <a:t>class</a:t>
+            </a:r>
+            <a:r>
+              <a:rPr lang="de-DE" sz="2800" dirty="0" smtClean="0"/>
+              <a:t>-training</a:t>
+            </a:r>
+            <a:endParaRPr lang="de-DE" sz="2800" dirty="0"/>
+          </a:p>
+        </p:txBody>
+      </p:sp>
+      <p:pic>
+        <p:nvPicPr>
+          <p:cNvPr id="8" name="Inhaltsplatzhalter 7"/>
+          <p:cNvPicPr>
+            <a:picLocks noGrp="1" noChangeAspect="1"/>
+          </p:cNvPicPr>
+          <p:nvPr>
+            <p:ph sz="half" idx="1"/>
+          </p:nvPr>
+        </p:nvPicPr>
+        <p:blipFill>
+          <a:blip r:embed="rId2">
+            <a:extLst>
+              <a:ext uri="{28A0092B-C50C-407E-A947-70E740481C1C}">
+                <a14:useLocalDpi xmlns:a14="http://schemas.microsoft.com/office/drawing/2010/main" val="0"/>
+              </a:ext>
+            </a:extLst>
+          </a:blip>
+          <a:stretch>
+            <a:fillRect/>
+          </a:stretch>
+        </p:blipFill>
+        <p:spPr>
+          <a:xfrm>
+            <a:off x="366110" y="1988841"/>
+            <a:ext cx="4565930" cy="4246860"/>
+          </a:xfrm>
+        </p:spPr>
+      </p:pic>
+    </p:spTree>
+    <p:extLst>
+      <p:ext uri="{BB962C8B-B14F-4D97-AF65-F5344CB8AC3E}">
+        <p14:creationId xmlns:p14="http://schemas.microsoft.com/office/powerpoint/2010/main" val="3669504553"/>
+      </p:ext>
+    </p:extLst>
+  </p:cSld>
+  <p:clrMapOvr>
+    <a:masterClrMapping/>
+  </p:clrMapOvr>
+</p:sld>
+</file>
+
+<file path=ppt/slides/slide16.xml><?xml version="1.0" encoding="utf-8"?>
+<p:sld xmlns:a="http://schemas.openxmlformats.org/drawingml/2006/main" xmlns:r="http://schemas.openxmlformats.org/officeDocument/2006/relationships" xmlns:p="http://schemas.openxmlformats.org/presentationml/2006/main">
+  <p:cSld>
+    <p:spTree>
+      <p:nvGrpSpPr>
+        <p:cNvPr id="1" name=""/>
+        <p:cNvGrpSpPr/>
+        <p:nvPr/>
+      </p:nvGrpSpPr>
+      <p:grpSpPr>
+        <a:xfrm>
+          <a:off x="0" y="0"/>
+          <a:ext cx="0" cy="0"/>
+          <a:chOff x="0" y="0"/>
+          <a:chExt cx="0" cy="0"/>
+        </a:xfrm>
+      </p:grpSpPr>
+      <p:sp>
+        <p:nvSpPr>
+          <p:cNvPr id="2" name="Titel 1"/>
+          <p:cNvSpPr>
+            <a:spLocks noGrp="1"/>
+          </p:cNvSpPr>
+          <p:nvPr>
+            <p:ph type="title"/>
+          </p:nvPr>
+        </p:nvSpPr>
+        <p:spPr/>
+        <p:txBody>
+          <a:bodyPr/>
+          <a:lstStyle/>
+          <a:p>
+            <a:r>
+              <a:rPr lang="de-DE" dirty="0" err="1" smtClean="0"/>
+              <a:t>Classification</a:t>
+            </a:r>
+            <a:endParaRPr lang="de-DE" dirty="0"/>
+          </a:p>
+        </p:txBody>
+      </p:sp>
+      <p:sp>
+        <p:nvSpPr>
+          <p:cNvPr id="4" name="Inhaltsplatzhalter 3"/>
+          <p:cNvSpPr>
+            <a:spLocks noGrp="1"/>
+          </p:cNvSpPr>
+          <p:nvPr>
+            <p:ph sz="half" idx="2"/>
+          </p:nvPr>
+        </p:nvSpPr>
+        <p:spPr>
+          <a:xfrm>
+            <a:off x="5004047" y="1988840"/>
+            <a:ext cx="3066199" cy="4246860"/>
+          </a:xfrm>
+        </p:spPr>
+        <p:txBody>
+          <a:bodyPr/>
+          <a:lstStyle/>
+          <a:p>
+            <a:pPr marL="0" indent="0">
+              <a:buNone/>
+            </a:pPr>
+            <a:endParaRPr lang="de-DE" dirty="0"/>
+          </a:p>
+        </p:txBody>
+      </p:sp>
+      <p:sp>
+        <p:nvSpPr>
+          <p:cNvPr id="5" name="Datumsplatzhalter 4"/>
+          <p:cNvSpPr>
+            <a:spLocks noGrp="1"/>
+          </p:cNvSpPr>
+          <p:nvPr>
+            <p:ph type="dt" sz="half" idx="10"/>
+          </p:nvPr>
+        </p:nvSpPr>
+        <p:spPr/>
+        <p:txBody>
+          <a:bodyPr/>
+          <a:lstStyle/>
+          <a:p>
+            <a:fld id="{3445AF6D-F46D-415C-AD3E-77E0038AE70E}" type="datetime1">
+              <a:rPr lang="de-DE" smtClean="0"/>
+              <a:pPr/>
+              <a:t>17.07.2013</a:t>
+            </a:fld>
+            <a:endParaRPr lang="de-DE"/>
+          </a:p>
+        </p:txBody>
+      </p:sp>
+      <p:sp>
+        <p:nvSpPr>
+          <p:cNvPr id="6" name="Fußzeilenplatzhalter 5"/>
+          <p:cNvSpPr>
+            <a:spLocks noGrp="1"/>
+          </p:cNvSpPr>
+          <p:nvPr>
+            <p:ph type="ftr" sz="quarter" idx="11"/>
+          </p:nvPr>
+        </p:nvSpPr>
+        <p:spPr/>
+        <p:txBody>
+          <a:bodyPr/>
+          <a:lstStyle/>
+          <a:p>
+            <a:pPr>
+              <a:defRPr/>
+            </a:pPr>
+            <a:r>
+              <a:rPr lang="de-DE" smtClean="0"/>
+              <a:t>Präsentationstitel</a:t>
+            </a:r>
+            <a:endParaRPr lang="de-DE"/>
+          </a:p>
+        </p:txBody>
+      </p:sp>
+      <p:sp>
+        <p:nvSpPr>
+          <p:cNvPr id="7" name="Foliennummernplatzhalter 6"/>
+          <p:cNvSpPr>
+            <a:spLocks noGrp="1"/>
+          </p:cNvSpPr>
+          <p:nvPr>
+            <p:ph type="sldNum" sz="quarter" idx="12"/>
+          </p:nvPr>
+        </p:nvSpPr>
+        <p:spPr/>
+        <p:txBody>
+          <a:bodyPr/>
+          <a:lstStyle/>
+          <a:p>
+            <a:fld id="{5F9299EF-AC70-49B0-AC02-B1CDF7ABB087}" type="slidenum">
+              <a:rPr lang="de-DE" smtClean="0"/>
+              <a:pPr/>
+              <a:t>16</a:t>
+            </a:fld>
+            <a:endParaRPr lang="de-DE"/>
+          </a:p>
+        </p:txBody>
+      </p:sp>
+      <p:sp>
+        <p:nvSpPr>
+          <p:cNvPr id="14" name="Textfeld 13"/>
+          <p:cNvSpPr txBox="1"/>
+          <p:nvPr/>
+        </p:nvSpPr>
+        <p:spPr>
+          <a:xfrm>
+            <a:off x="366110" y="1340768"/>
+            <a:ext cx="7704136" cy="523220"/>
+          </a:xfrm>
+          <a:prstGeom prst="rect">
+            <a:avLst/>
+          </a:prstGeom>
+          <a:noFill/>
+        </p:spPr>
+        <p:txBody>
+          <a:bodyPr wrap="square" rtlCol="0">
+            <a:spAutoFit/>
+          </a:bodyPr>
+          <a:lstStyle/>
+          <a:p>
+            <a:pPr algn="ctr"/>
+            <a:r>
+              <a:rPr lang="de-DE" sz="2800" dirty="0" err="1" smtClean="0"/>
+              <a:t>One</a:t>
+            </a:r>
+            <a:r>
+              <a:rPr lang="de-DE" sz="2800" dirty="0" smtClean="0"/>
+              <a:t>-</a:t>
+            </a:r>
+            <a:r>
+              <a:rPr lang="de-DE" sz="2800" dirty="0" err="1" smtClean="0"/>
+              <a:t>class</a:t>
+            </a:r>
+            <a:r>
+              <a:rPr lang="de-DE" sz="2800" dirty="0" smtClean="0"/>
+              <a:t>-training</a:t>
+            </a:r>
+            <a:endParaRPr lang="de-DE" sz="2800" dirty="0"/>
+          </a:p>
+        </p:txBody>
+      </p:sp>
+      <p:pic>
+        <p:nvPicPr>
+          <p:cNvPr id="9" name="Inhaltsplatzhalter 8"/>
+          <p:cNvPicPr>
+            <a:picLocks noGrp="1" noChangeAspect="1"/>
+          </p:cNvPicPr>
+          <p:nvPr>
+            <p:ph sz="half" idx="1"/>
+          </p:nvPr>
+        </p:nvPicPr>
+        <p:blipFill>
+          <a:blip r:embed="rId2">
+            <a:biLevel thresh="75000"/>
+            <a:extLst>
+              <a:ext uri="{28A0092B-C50C-407E-A947-70E740481C1C}">
+                <a14:useLocalDpi xmlns:a14="http://schemas.microsoft.com/office/drawing/2010/main" val="0"/>
+              </a:ext>
+            </a:extLst>
+          </a:blip>
+          <a:stretch>
+            <a:fillRect/>
+          </a:stretch>
+        </p:blipFill>
+        <p:spPr>
+          <a:xfrm>
+            <a:off x="468313" y="2420888"/>
+            <a:ext cx="4103687" cy="3888432"/>
+          </a:xfrm>
+        </p:spPr>
+      </p:pic>
+    </p:spTree>
+    <p:extLst>
+      <p:ext uri="{BB962C8B-B14F-4D97-AF65-F5344CB8AC3E}">
+        <p14:creationId xmlns:p14="http://schemas.microsoft.com/office/powerpoint/2010/main" val="1931376883"/>
+      </p:ext>
+    </p:extLst>
+  </p:cSld>
+  <p:clrMapOvr>
+    <a:masterClrMapping/>
+  </p:clrMapOvr>
+</p:sld>
+</file>
+
+<file path=ppt/slides/slide17.xml><?xml version="1.0" encoding="utf-8"?>
+<p:sld xmlns:a="http://schemas.openxmlformats.org/drawingml/2006/main" xmlns:r="http://schemas.openxmlformats.org/officeDocument/2006/relationships" xmlns:p="http://schemas.openxmlformats.org/presentationml/2006/main">
+  <p:cSld>
+    <p:spTree>
+      <p:nvGrpSpPr>
+        <p:cNvPr id="1" name=""/>
+        <p:cNvGrpSpPr/>
+        <p:nvPr/>
+      </p:nvGrpSpPr>
+      <p:grpSpPr>
+        <a:xfrm>
+          <a:off x="0" y="0"/>
+          <a:ext cx="0" cy="0"/>
+          <a:chOff x="0" y="0"/>
+          <a:chExt cx="0" cy="0"/>
+        </a:xfrm>
+      </p:grpSpPr>
+      <p:sp>
+        <p:nvSpPr>
+          <p:cNvPr id="2" name="Titel 1"/>
+          <p:cNvSpPr>
+            <a:spLocks noGrp="1"/>
+          </p:cNvSpPr>
+          <p:nvPr>
+            <p:ph type="title"/>
+          </p:nvPr>
+        </p:nvSpPr>
+        <p:spPr/>
+        <p:txBody>
+          <a:bodyPr/>
+          <a:lstStyle/>
+          <a:p>
+            <a:r>
+              <a:rPr lang="de-DE" dirty="0" err="1" smtClean="0"/>
+              <a:t>Classification</a:t>
+            </a:r>
+            <a:endParaRPr lang="de-DE" dirty="0"/>
+          </a:p>
+        </p:txBody>
+      </p:sp>
+      <p:sp>
+        <p:nvSpPr>
+          <p:cNvPr id="4" name="Inhaltsplatzhalter 3"/>
+          <p:cNvSpPr>
+            <a:spLocks noGrp="1"/>
+          </p:cNvSpPr>
+          <p:nvPr>
+            <p:ph sz="half" idx="2"/>
+          </p:nvPr>
+        </p:nvSpPr>
+        <p:spPr>
+          <a:xfrm>
+            <a:off x="5004047" y="1988840"/>
+            <a:ext cx="3066199" cy="4246860"/>
+          </a:xfrm>
+        </p:spPr>
+        <p:txBody>
+          <a:bodyPr/>
+          <a:lstStyle/>
+          <a:p>
+            <a:pPr marL="0" indent="0">
+              <a:buNone/>
+            </a:pPr>
+            <a:endParaRPr lang="de-DE" dirty="0"/>
+          </a:p>
+        </p:txBody>
+      </p:sp>
+      <p:sp>
+        <p:nvSpPr>
+          <p:cNvPr id="5" name="Datumsplatzhalter 4"/>
+          <p:cNvSpPr>
+            <a:spLocks noGrp="1"/>
+          </p:cNvSpPr>
+          <p:nvPr>
+            <p:ph type="dt" sz="half" idx="10"/>
+          </p:nvPr>
+        </p:nvSpPr>
+        <p:spPr/>
+        <p:txBody>
+          <a:bodyPr/>
+          <a:lstStyle/>
+          <a:p>
+            <a:fld id="{3445AF6D-F46D-415C-AD3E-77E0038AE70E}" type="datetime1">
+              <a:rPr lang="de-DE" smtClean="0"/>
+              <a:pPr/>
+              <a:t>17.07.2013</a:t>
+            </a:fld>
+            <a:endParaRPr lang="de-DE"/>
+          </a:p>
+        </p:txBody>
+      </p:sp>
+      <p:sp>
+        <p:nvSpPr>
+          <p:cNvPr id="6" name="Fußzeilenplatzhalter 5"/>
+          <p:cNvSpPr>
+            <a:spLocks noGrp="1"/>
+          </p:cNvSpPr>
+          <p:nvPr>
+            <p:ph type="ftr" sz="quarter" idx="11"/>
+          </p:nvPr>
+        </p:nvSpPr>
+        <p:spPr/>
+        <p:txBody>
+          <a:bodyPr/>
+          <a:lstStyle/>
+          <a:p>
+            <a:pPr>
+              <a:defRPr/>
+            </a:pPr>
+            <a:r>
+              <a:rPr lang="de-DE" smtClean="0"/>
+              <a:t>Präsentationstitel</a:t>
+            </a:r>
+            <a:endParaRPr lang="de-DE"/>
+          </a:p>
+        </p:txBody>
+      </p:sp>
+      <p:sp>
+        <p:nvSpPr>
+          <p:cNvPr id="7" name="Foliennummernplatzhalter 6"/>
+          <p:cNvSpPr>
+            <a:spLocks noGrp="1"/>
+          </p:cNvSpPr>
+          <p:nvPr>
+            <p:ph type="sldNum" sz="quarter" idx="12"/>
+          </p:nvPr>
+        </p:nvSpPr>
+        <p:spPr/>
+        <p:txBody>
+          <a:bodyPr/>
+          <a:lstStyle/>
+          <a:p>
+            <a:fld id="{5F9299EF-AC70-49B0-AC02-B1CDF7ABB087}" type="slidenum">
+              <a:rPr lang="de-DE" smtClean="0"/>
+              <a:pPr/>
+              <a:t>17</a:t>
+            </a:fld>
+            <a:endParaRPr lang="de-DE"/>
+          </a:p>
+        </p:txBody>
+      </p:sp>
+      <p:sp>
+        <p:nvSpPr>
+          <p:cNvPr id="14" name="Textfeld 13"/>
+          <p:cNvSpPr txBox="1"/>
+          <p:nvPr/>
+        </p:nvSpPr>
+        <p:spPr>
+          <a:xfrm>
+            <a:off x="366110" y="1340768"/>
+            <a:ext cx="7704136" cy="523220"/>
+          </a:xfrm>
+          <a:prstGeom prst="rect">
+            <a:avLst/>
+          </a:prstGeom>
+          <a:noFill/>
+        </p:spPr>
+        <p:txBody>
+          <a:bodyPr wrap="square" rtlCol="0">
+            <a:spAutoFit/>
+          </a:bodyPr>
+          <a:lstStyle/>
+          <a:p>
+            <a:pPr algn="ctr"/>
+            <a:r>
+              <a:rPr lang="de-DE" sz="2800" dirty="0" err="1" smtClean="0"/>
+              <a:t>One</a:t>
+            </a:r>
+            <a:r>
+              <a:rPr lang="de-DE" sz="2800" dirty="0" smtClean="0"/>
+              <a:t>-</a:t>
+            </a:r>
+            <a:r>
+              <a:rPr lang="de-DE" sz="2800" dirty="0" err="1" smtClean="0"/>
+              <a:t>class</a:t>
+            </a:r>
+            <a:r>
+              <a:rPr lang="de-DE" sz="2800" dirty="0" smtClean="0"/>
+              <a:t>-training</a:t>
+            </a:r>
+            <a:endParaRPr lang="de-DE" sz="2800" dirty="0"/>
+          </a:p>
+        </p:txBody>
+      </p:sp>
+      <p:pic>
+        <p:nvPicPr>
+          <p:cNvPr id="8" name="Inhaltsplatzhalter 7"/>
+          <p:cNvPicPr>
+            <a:picLocks noGrp="1" noChangeAspect="1"/>
+          </p:cNvPicPr>
+          <p:nvPr>
+            <p:ph sz="half" idx="1"/>
+          </p:nvPr>
+        </p:nvPicPr>
+        <p:blipFill>
+          <a:blip r:embed="rId2">
+            <a:biLevel thresh="75000"/>
+            <a:extLst>
+              <a:ext uri="{28A0092B-C50C-407E-A947-70E740481C1C}">
+                <a14:useLocalDpi xmlns:a14="http://schemas.microsoft.com/office/drawing/2010/main" val="0"/>
+              </a:ext>
+            </a:extLst>
+          </a:blip>
+          <a:stretch>
+            <a:fillRect/>
+          </a:stretch>
+        </p:blipFill>
+        <p:spPr>
+          <a:xfrm>
+            <a:off x="468313" y="2420888"/>
+            <a:ext cx="4103687" cy="3888431"/>
+          </a:xfrm>
+        </p:spPr>
+      </p:pic>
+    </p:spTree>
+    <p:extLst>
+      <p:ext uri="{BB962C8B-B14F-4D97-AF65-F5344CB8AC3E}">
+        <p14:creationId xmlns:p14="http://schemas.microsoft.com/office/powerpoint/2010/main" val="2447659097"/>
+      </p:ext>
+    </p:extLst>
+  </p:cSld>
+  <p:clrMapOvr>
+    <a:masterClrMapping/>
+  </p:clrMapOvr>
+</p:sld>
+</file>
+
+<file path=ppt/slides/slide18.xml><?xml version="1.0" encoding="utf-8"?>
+<p:sld xmlns:a="http://schemas.openxmlformats.org/drawingml/2006/main" xmlns:r="http://schemas.openxmlformats.org/officeDocument/2006/relationships" xmlns:p="http://schemas.openxmlformats.org/presentationml/2006/main">
+  <p:cSld>
+    <p:spTree>
+      <p:nvGrpSpPr>
+        <p:cNvPr id="1" name=""/>
+        <p:cNvGrpSpPr/>
+        <p:nvPr/>
+      </p:nvGrpSpPr>
+      <p:grpSpPr>
+        <a:xfrm>
+          <a:off x="0" y="0"/>
+          <a:ext cx="0" cy="0"/>
+          <a:chOff x="0" y="0"/>
+          <a:chExt cx="0" cy="0"/>
+        </a:xfrm>
+      </p:grpSpPr>
+      <p:sp>
+        <p:nvSpPr>
+          <p:cNvPr id="2" name="Titel 1"/>
+          <p:cNvSpPr>
+            <a:spLocks noGrp="1"/>
+          </p:cNvSpPr>
+          <p:nvPr>
+            <p:ph type="title"/>
+          </p:nvPr>
+        </p:nvSpPr>
+        <p:spPr/>
+        <p:txBody>
+          <a:bodyPr/>
+          <a:lstStyle/>
+          <a:p>
+            <a:r>
+              <a:rPr lang="de-DE" dirty="0" err="1" smtClean="0"/>
+              <a:t>One</a:t>
+            </a:r>
+            <a:r>
+              <a:rPr lang="de-DE" dirty="0" smtClean="0"/>
+              <a:t> Class </a:t>
+            </a:r>
+            <a:r>
+              <a:rPr lang="de-DE" dirty="0" err="1" smtClean="0"/>
+              <a:t>Classification</a:t>
+            </a:r>
+            <a:endParaRPr lang="de-DE" dirty="0"/>
+          </a:p>
+        </p:txBody>
+      </p:sp>
+      <p:sp>
+        <p:nvSpPr>
+          <p:cNvPr id="3" name="Inhaltsplatzhalter 2"/>
+          <p:cNvSpPr>
+            <a:spLocks noGrp="1"/>
+          </p:cNvSpPr>
+          <p:nvPr>
+            <p:ph idx="1"/>
+          </p:nvPr>
+        </p:nvSpPr>
+        <p:spPr/>
+        <p:txBody>
+          <a:bodyPr/>
+          <a:lstStyle/>
+          <a:p>
+            <a:pPr marL="0" indent="0" algn="ctr">
+              <a:buNone/>
+            </a:pPr>
+            <a:r>
+              <a:rPr lang="de-DE" dirty="0" err="1" smtClean="0"/>
+              <a:t>One</a:t>
+            </a:r>
+            <a:r>
+              <a:rPr lang="de-DE" dirty="0" smtClean="0"/>
+              <a:t>-Class-</a:t>
+            </a:r>
+            <a:r>
+              <a:rPr lang="de-DE" dirty="0" err="1" smtClean="0"/>
+              <a:t>Classifier</a:t>
+            </a:r>
+            <a:r>
+              <a:rPr lang="de-DE" dirty="0" smtClean="0"/>
+              <a:t> </a:t>
+            </a:r>
+            <a:r>
+              <a:rPr lang="de-DE" dirty="0" err="1" smtClean="0"/>
+              <a:t>Composition</a:t>
+            </a:r>
+            <a:endParaRPr lang="de-DE" dirty="0"/>
+          </a:p>
+        </p:txBody>
+      </p:sp>
+      <p:sp>
+        <p:nvSpPr>
+          <p:cNvPr id="4" name="Datumsplatzhalter 3"/>
+          <p:cNvSpPr>
+            <a:spLocks noGrp="1"/>
+          </p:cNvSpPr>
+          <p:nvPr>
+            <p:ph type="dt" sz="half" idx="10"/>
+          </p:nvPr>
+        </p:nvSpPr>
+        <p:spPr/>
+        <p:txBody>
+          <a:bodyPr/>
+          <a:lstStyle/>
+          <a:p>
+            <a:fld id="{03B44CDA-7D88-4264-B0E0-D9AD28CBE73B}" type="datetime1">
+              <a:rPr lang="de-DE" smtClean="0"/>
+              <a:pPr/>
+              <a:t>17.07.2013</a:t>
+            </a:fld>
+            <a:endParaRPr lang="de-DE"/>
+          </a:p>
+        </p:txBody>
+      </p:sp>
+      <p:sp>
+        <p:nvSpPr>
+          <p:cNvPr id="5" name="Fußzeilenplatzhalter 4"/>
+          <p:cNvSpPr>
+            <a:spLocks noGrp="1"/>
+          </p:cNvSpPr>
+          <p:nvPr>
+            <p:ph type="ftr" sz="quarter" idx="11"/>
+          </p:nvPr>
+        </p:nvSpPr>
+        <p:spPr/>
+        <p:txBody>
+          <a:bodyPr/>
+          <a:lstStyle/>
+          <a:p>
+            <a:pPr>
+              <a:defRPr/>
+            </a:pPr>
+            <a:r>
+              <a:rPr lang="de-DE" smtClean="0"/>
+              <a:t>Präsentationstitel</a:t>
+            </a:r>
+            <a:endParaRPr lang="de-DE"/>
+          </a:p>
+        </p:txBody>
+      </p:sp>
+      <p:sp>
+        <p:nvSpPr>
+          <p:cNvPr id="6" name="Foliennummernplatzhalter 5"/>
+          <p:cNvSpPr>
+            <a:spLocks noGrp="1"/>
+          </p:cNvSpPr>
+          <p:nvPr>
+            <p:ph type="sldNum" sz="quarter" idx="12"/>
+          </p:nvPr>
+        </p:nvSpPr>
+        <p:spPr/>
+        <p:txBody>
+          <a:bodyPr/>
+          <a:lstStyle/>
+          <a:p>
+            <a:fld id="{53CDBF7D-AB53-4FC1-97D1-361B45D487EB}" type="slidenum">
+              <a:rPr lang="de-DE" smtClean="0"/>
+              <a:pPr/>
+              <a:t>18</a:t>
+            </a:fld>
+            <a:endParaRPr lang="de-DE"/>
+          </a:p>
+        </p:txBody>
+      </p:sp>
+    </p:spTree>
+    <p:extLst>
+      <p:ext uri="{BB962C8B-B14F-4D97-AF65-F5344CB8AC3E}">
+        <p14:creationId xmlns:p14="http://schemas.microsoft.com/office/powerpoint/2010/main" val="244515643"/>
+      </p:ext>
+    </p:extLst>
+  </p:cSld>
+  <p:clrMapOvr>
+    <a:masterClrMapping/>
+  </p:clrMapOvr>
+</p:sld>
+</file>
+
+<file path=ppt/slides/slide19.xml><?xml version="1.0" encoding="utf-8"?>
+<p:sld xmlns:a="http://schemas.openxmlformats.org/drawingml/2006/main" xmlns:r="http://schemas.openxmlformats.org/officeDocument/2006/relationships" xmlns:p="http://schemas.openxmlformats.org/presentationml/2006/main">
+  <p:cSld>
+    <p:spTree>
+      <p:nvGrpSpPr>
+        <p:cNvPr id="1" name=""/>
+        <p:cNvGrpSpPr/>
+        <p:nvPr/>
+      </p:nvGrpSpPr>
+      <p:grpSpPr>
+        <a:xfrm>
+          <a:off x="0" y="0"/>
+          <a:ext cx="0" cy="0"/>
+          <a:chOff x="0" y="0"/>
+          <a:chExt cx="0" cy="0"/>
+        </a:xfrm>
+      </p:grpSpPr>
+      <p:sp>
+        <p:nvSpPr>
+          <p:cNvPr id="2" name="Titel 1"/>
+          <p:cNvSpPr>
+            <a:spLocks noGrp="1"/>
+          </p:cNvSpPr>
+          <p:nvPr>
+            <p:ph type="title"/>
+          </p:nvPr>
+        </p:nvSpPr>
+        <p:spPr/>
+        <p:txBody>
+          <a:bodyPr/>
+          <a:lstStyle/>
+          <a:p>
+            <a:r>
+              <a:rPr lang="de-DE" dirty="0" smtClean="0"/>
+              <a:t>Support </a:t>
+            </a:r>
+            <a:r>
+              <a:rPr lang="de-DE" dirty="0" err="1" smtClean="0"/>
+              <a:t>Vector</a:t>
+            </a:r>
+            <a:r>
+              <a:rPr lang="de-DE" dirty="0" smtClean="0"/>
+              <a:t> Data Description</a:t>
+            </a:r>
+            <a:endParaRPr lang="de-DE" dirty="0"/>
+          </a:p>
+        </p:txBody>
+      </p:sp>
+      <p:sp>
+        <p:nvSpPr>
+          <p:cNvPr id="3" name="Inhaltsplatzhalter 2"/>
+          <p:cNvSpPr>
+            <a:spLocks noGrp="1"/>
+          </p:cNvSpPr>
+          <p:nvPr>
+            <p:ph sz="half" idx="1"/>
+          </p:nvPr>
+        </p:nvSpPr>
+        <p:spPr>
+          <a:xfrm>
+            <a:off x="366111" y="1544087"/>
+            <a:ext cx="7704137" cy="2376735"/>
+          </a:xfrm>
+        </p:spPr>
+        <p:txBody>
+          <a:bodyPr/>
+          <a:lstStyle/>
+          <a:p>
+            <a:pPr marL="0" indent="0" algn="ctr">
+              <a:buNone/>
+            </a:pPr>
+            <a:endParaRPr lang="de-DE" dirty="0"/>
+          </a:p>
+        </p:txBody>
+      </p:sp>
+      <p:sp>
+        <p:nvSpPr>
+          <p:cNvPr id="5" name="Datumsplatzhalter 4"/>
+          <p:cNvSpPr>
+            <a:spLocks noGrp="1"/>
+          </p:cNvSpPr>
+          <p:nvPr>
+            <p:ph type="dt" sz="half" idx="10"/>
+          </p:nvPr>
+        </p:nvSpPr>
+        <p:spPr/>
+        <p:txBody>
+          <a:bodyPr/>
+          <a:lstStyle/>
+          <a:p>
+            <a:fld id="{3445AF6D-F46D-415C-AD3E-77E0038AE70E}" type="datetime1">
+              <a:rPr lang="de-DE" smtClean="0"/>
+              <a:pPr/>
+              <a:t>17.07.2013</a:t>
+            </a:fld>
+            <a:endParaRPr lang="de-DE"/>
+          </a:p>
+        </p:txBody>
+      </p:sp>
+      <p:sp>
+        <p:nvSpPr>
+          <p:cNvPr id="6" name="Fußzeilenplatzhalter 5"/>
+          <p:cNvSpPr>
+            <a:spLocks noGrp="1"/>
+          </p:cNvSpPr>
+          <p:nvPr>
+            <p:ph type="ftr" sz="quarter" idx="11"/>
+          </p:nvPr>
+        </p:nvSpPr>
+        <p:spPr/>
+        <p:txBody>
+          <a:bodyPr/>
+          <a:lstStyle/>
+          <a:p>
+            <a:pPr>
+              <a:defRPr/>
+            </a:pPr>
+            <a:r>
+              <a:rPr lang="de-DE" smtClean="0"/>
+              <a:t>Präsentationstitel</a:t>
+            </a:r>
+            <a:endParaRPr lang="de-DE"/>
+          </a:p>
+        </p:txBody>
+      </p:sp>
+      <p:sp>
+        <p:nvSpPr>
+          <p:cNvPr id="7" name="Foliennummernplatzhalter 6"/>
+          <p:cNvSpPr>
+            <a:spLocks noGrp="1"/>
+          </p:cNvSpPr>
+          <p:nvPr>
+            <p:ph type="sldNum" sz="quarter" idx="12"/>
+          </p:nvPr>
+        </p:nvSpPr>
+        <p:spPr/>
+        <p:txBody>
+          <a:bodyPr/>
+          <a:lstStyle/>
+          <a:p>
+            <a:fld id="{5F9299EF-AC70-49B0-AC02-B1CDF7ABB087}" type="slidenum">
+              <a:rPr lang="de-DE" smtClean="0"/>
+              <a:pPr/>
+              <a:t>19</a:t>
+            </a:fld>
+            <a:endParaRPr lang="de-DE"/>
+          </a:p>
+        </p:txBody>
+      </p:sp>
+      <p:sp>
+        <p:nvSpPr>
+          <p:cNvPr id="8" name="Inhaltsplatzhalter 7"/>
+          <p:cNvSpPr>
+            <a:spLocks noGrp="1"/>
+          </p:cNvSpPr>
+          <p:nvPr>
+            <p:ph sz="half" idx="2"/>
+          </p:nvPr>
+        </p:nvSpPr>
+        <p:spPr>
+          <a:xfrm>
+            <a:off x="366110" y="3861048"/>
+            <a:ext cx="7704138" cy="2374652"/>
+          </a:xfrm>
+        </p:spPr>
+        <p:txBody>
+          <a:bodyPr/>
+          <a:lstStyle/>
+          <a:p>
+            <a:endParaRPr lang="de-DE" dirty="0"/>
+          </a:p>
+        </p:txBody>
+      </p:sp>
+    </p:spTree>
+    <p:extLst>
+      <p:ext uri="{BB962C8B-B14F-4D97-AF65-F5344CB8AC3E}">
+        <p14:creationId xmlns:p14="http://schemas.microsoft.com/office/powerpoint/2010/main" val="886038145"/>
+      </p:ext>
+    </p:extLst>
+  </p:cSld>
+  <p:clrMapOvr>
+    <a:masterClrMapping/>
+  </p:clrMapOvr>
 </p:sld>
 </file>
 
@@ -5566,7 +7031,7 @@
                 </a:solidFill>
               </a:rPr>
               <a:pPr eaLnBrk="1" hangingPunct="1"/>
-              <a:t>15.07.2013</a:t>
+              <a:t>17.07.2013</a:t>
             </a:fld>
             <a:endParaRPr lang="de-DE">
               <a:solidFill>
@@ -5760,11 +7225,6 @@
               </a:rPr>
               <a:t> Monitoring</a:t>
             </a:r>
-            <a:endParaRPr lang="de-DE" dirty="0" smtClean="0">
-              <a:solidFill>
-                <a:srgbClr val="898989"/>
-              </a:solidFill>
-            </a:endParaRPr>
           </a:p>
         </p:txBody>
       </p:sp>
@@ -6231,6 +7691,1882 @@
 </p:sld>
 </file>
 
+<file path=ppt/slides/slide20.xml><?xml version="1.0" encoding="utf-8"?>
+<p:sld xmlns:a="http://schemas.openxmlformats.org/drawingml/2006/main" xmlns:r="http://schemas.openxmlformats.org/officeDocument/2006/relationships" xmlns:p="http://schemas.openxmlformats.org/presentationml/2006/main">
+  <p:cSld>
+    <p:spTree>
+      <p:nvGrpSpPr>
+        <p:cNvPr id="1" name=""/>
+        <p:cNvGrpSpPr/>
+        <p:nvPr/>
+      </p:nvGrpSpPr>
+      <p:grpSpPr>
+        <a:xfrm>
+          <a:off x="0" y="0"/>
+          <a:ext cx="0" cy="0"/>
+          <a:chOff x="0" y="0"/>
+          <a:chExt cx="0" cy="0"/>
+        </a:xfrm>
+      </p:grpSpPr>
+      <p:sp>
+        <p:nvSpPr>
+          <p:cNvPr id="2" name="Titel 1"/>
+          <p:cNvSpPr>
+            <a:spLocks noGrp="1"/>
+          </p:cNvSpPr>
+          <p:nvPr>
+            <p:ph type="title"/>
+          </p:nvPr>
+        </p:nvSpPr>
+        <p:spPr/>
+        <p:txBody>
+          <a:bodyPr/>
+          <a:lstStyle/>
+          <a:p>
+            <a:r>
+              <a:rPr lang="de-DE" dirty="0"/>
+              <a:t>Support </a:t>
+            </a:r>
+            <a:r>
+              <a:rPr lang="de-DE" dirty="0" err="1"/>
+              <a:t>Vector</a:t>
+            </a:r>
+            <a:r>
+              <a:rPr lang="de-DE" dirty="0"/>
+              <a:t> Data Description</a:t>
+            </a:r>
+          </a:p>
+        </p:txBody>
+      </p:sp>
+      <p:sp>
+        <p:nvSpPr>
+          <p:cNvPr id="3" name="Inhaltsplatzhalter 2"/>
+          <p:cNvSpPr>
+            <a:spLocks noGrp="1"/>
+          </p:cNvSpPr>
+          <p:nvPr>
+            <p:ph sz="half" idx="1"/>
+          </p:nvPr>
+        </p:nvSpPr>
+        <p:spPr>
+          <a:xfrm>
+            <a:off x="366111" y="1544087"/>
+            <a:ext cx="7704137" cy="2376735"/>
+          </a:xfrm>
+        </p:spPr>
+        <p:txBody>
+          <a:bodyPr/>
+          <a:lstStyle/>
+          <a:p>
+            <a:pPr marL="0" indent="0" algn="ctr">
+              <a:buNone/>
+            </a:pPr>
+            <a:endParaRPr lang="de-DE" dirty="0"/>
+          </a:p>
+        </p:txBody>
+      </p:sp>
+      <p:sp>
+        <p:nvSpPr>
+          <p:cNvPr id="5" name="Datumsplatzhalter 4"/>
+          <p:cNvSpPr>
+            <a:spLocks noGrp="1"/>
+          </p:cNvSpPr>
+          <p:nvPr>
+            <p:ph type="dt" sz="half" idx="10"/>
+          </p:nvPr>
+        </p:nvSpPr>
+        <p:spPr/>
+        <p:txBody>
+          <a:bodyPr/>
+          <a:lstStyle/>
+          <a:p>
+            <a:fld id="{3445AF6D-F46D-415C-AD3E-77E0038AE70E}" type="datetime1">
+              <a:rPr lang="de-DE" smtClean="0"/>
+              <a:pPr/>
+              <a:t>17.07.2013</a:t>
+            </a:fld>
+            <a:endParaRPr lang="de-DE"/>
+          </a:p>
+        </p:txBody>
+      </p:sp>
+      <p:sp>
+        <p:nvSpPr>
+          <p:cNvPr id="6" name="Fußzeilenplatzhalter 5"/>
+          <p:cNvSpPr>
+            <a:spLocks noGrp="1"/>
+          </p:cNvSpPr>
+          <p:nvPr>
+            <p:ph type="ftr" sz="quarter" idx="11"/>
+          </p:nvPr>
+        </p:nvSpPr>
+        <p:spPr/>
+        <p:txBody>
+          <a:bodyPr/>
+          <a:lstStyle/>
+          <a:p>
+            <a:pPr>
+              <a:defRPr/>
+            </a:pPr>
+            <a:r>
+              <a:rPr lang="de-DE" smtClean="0"/>
+              <a:t>Präsentationstitel</a:t>
+            </a:r>
+            <a:endParaRPr lang="de-DE"/>
+          </a:p>
+        </p:txBody>
+      </p:sp>
+      <p:sp>
+        <p:nvSpPr>
+          <p:cNvPr id="7" name="Foliennummernplatzhalter 6"/>
+          <p:cNvSpPr>
+            <a:spLocks noGrp="1"/>
+          </p:cNvSpPr>
+          <p:nvPr>
+            <p:ph type="sldNum" sz="quarter" idx="12"/>
+          </p:nvPr>
+        </p:nvSpPr>
+        <p:spPr/>
+        <p:txBody>
+          <a:bodyPr/>
+          <a:lstStyle/>
+          <a:p>
+            <a:fld id="{5F9299EF-AC70-49B0-AC02-B1CDF7ABB087}" type="slidenum">
+              <a:rPr lang="de-DE" smtClean="0"/>
+              <a:pPr/>
+              <a:t>20</a:t>
+            </a:fld>
+            <a:endParaRPr lang="de-DE"/>
+          </a:p>
+        </p:txBody>
+      </p:sp>
+      <p:pic>
+        <p:nvPicPr>
+          <p:cNvPr id="4" name="Inhaltsplatzhalter 3"/>
+          <p:cNvPicPr>
+            <a:picLocks noGrp="1" noChangeAspect="1"/>
+          </p:cNvPicPr>
+          <p:nvPr>
+            <p:ph sz="half" idx="2"/>
+          </p:nvPr>
+        </p:nvPicPr>
+        <p:blipFill>
+          <a:blip r:embed="rId2">
+            <a:extLst>
+              <a:ext uri="{28A0092B-C50C-407E-A947-70E740481C1C}">
+                <a14:useLocalDpi xmlns:a14="http://schemas.microsoft.com/office/drawing/2010/main" val="0"/>
+              </a:ext>
+            </a:extLst>
+          </a:blip>
+          <a:stretch>
+            <a:fillRect/>
+          </a:stretch>
+        </p:blipFill>
+        <p:spPr>
+          <a:xfrm>
+            <a:off x="1691680" y="3860800"/>
+            <a:ext cx="5040560" cy="2376512"/>
+          </a:xfrm>
+        </p:spPr>
+      </p:pic>
+    </p:spTree>
+    <p:extLst>
+      <p:ext uri="{BB962C8B-B14F-4D97-AF65-F5344CB8AC3E}">
+        <p14:creationId xmlns:p14="http://schemas.microsoft.com/office/powerpoint/2010/main" val="3168385340"/>
+      </p:ext>
+    </p:extLst>
+  </p:cSld>
+  <p:clrMapOvr>
+    <a:masterClrMapping/>
+  </p:clrMapOvr>
+</p:sld>
+</file>
+
+<file path=ppt/slides/slide21.xml><?xml version="1.0" encoding="utf-8"?>
+<p:sld xmlns:a="http://schemas.openxmlformats.org/drawingml/2006/main" xmlns:r="http://schemas.openxmlformats.org/officeDocument/2006/relationships" xmlns:p="http://schemas.openxmlformats.org/presentationml/2006/main">
+  <p:cSld>
+    <p:spTree>
+      <p:nvGrpSpPr>
+        <p:cNvPr id="1" name=""/>
+        <p:cNvGrpSpPr/>
+        <p:nvPr/>
+      </p:nvGrpSpPr>
+      <p:grpSpPr>
+        <a:xfrm>
+          <a:off x="0" y="0"/>
+          <a:ext cx="0" cy="0"/>
+          <a:chOff x="0" y="0"/>
+          <a:chExt cx="0" cy="0"/>
+        </a:xfrm>
+      </p:grpSpPr>
+      <p:sp>
+        <p:nvSpPr>
+          <p:cNvPr id="2" name="Titel 1"/>
+          <p:cNvSpPr>
+            <a:spLocks noGrp="1"/>
+          </p:cNvSpPr>
+          <p:nvPr>
+            <p:ph type="title"/>
+          </p:nvPr>
+        </p:nvSpPr>
+        <p:spPr/>
+        <p:txBody>
+          <a:bodyPr/>
+          <a:lstStyle/>
+          <a:p>
+            <a:r>
+              <a:rPr lang="de-DE" dirty="0" smtClean="0"/>
+              <a:t>Support </a:t>
+            </a:r>
+            <a:r>
+              <a:rPr lang="de-DE" dirty="0" err="1" smtClean="0"/>
+              <a:t>Vector</a:t>
+            </a:r>
+            <a:r>
+              <a:rPr lang="de-DE" dirty="0" smtClean="0"/>
+              <a:t> Data Description</a:t>
+            </a:r>
+            <a:endParaRPr lang="de-DE" dirty="0"/>
+          </a:p>
+        </p:txBody>
+      </p:sp>
+      <p:sp>
+        <p:nvSpPr>
+          <p:cNvPr id="3" name="Inhaltsplatzhalter 2"/>
+          <p:cNvSpPr>
+            <a:spLocks noGrp="1"/>
+          </p:cNvSpPr>
+          <p:nvPr>
+            <p:ph sz="half" idx="1"/>
+          </p:nvPr>
+        </p:nvSpPr>
+        <p:spPr>
+          <a:xfrm>
+            <a:off x="366111" y="1544087"/>
+            <a:ext cx="7704137" cy="2376735"/>
+          </a:xfrm>
+        </p:spPr>
+        <p:txBody>
+          <a:bodyPr/>
+          <a:lstStyle/>
+          <a:p>
+            <a:pPr marL="0" indent="0" algn="ctr">
+              <a:buNone/>
+            </a:pPr>
+            <a:endParaRPr lang="de-DE" dirty="0"/>
+          </a:p>
+        </p:txBody>
+      </p:sp>
+      <p:sp>
+        <p:nvSpPr>
+          <p:cNvPr id="5" name="Datumsplatzhalter 4"/>
+          <p:cNvSpPr>
+            <a:spLocks noGrp="1"/>
+          </p:cNvSpPr>
+          <p:nvPr>
+            <p:ph type="dt" sz="half" idx="10"/>
+          </p:nvPr>
+        </p:nvSpPr>
+        <p:spPr/>
+        <p:txBody>
+          <a:bodyPr/>
+          <a:lstStyle/>
+          <a:p>
+            <a:fld id="{3445AF6D-F46D-415C-AD3E-77E0038AE70E}" type="datetime1">
+              <a:rPr lang="de-DE" smtClean="0"/>
+              <a:pPr/>
+              <a:t>17.07.2013</a:t>
+            </a:fld>
+            <a:endParaRPr lang="de-DE"/>
+          </a:p>
+        </p:txBody>
+      </p:sp>
+      <p:sp>
+        <p:nvSpPr>
+          <p:cNvPr id="6" name="Fußzeilenplatzhalter 5"/>
+          <p:cNvSpPr>
+            <a:spLocks noGrp="1"/>
+          </p:cNvSpPr>
+          <p:nvPr>
+            <p:ph type="ftr" sz="quarter" idx="11"/>
+          </p:nvPr>
+        </p:nvSpPr>
+        <p:spPr/>
+        <p:txBody>
+          <a:bodyPr/>
+          <a:lstStyle/>
+          <a:p>
+            <a:pPr>
+              <a:defRPr/>
+            </a:pPr>
+            <a:r>
+              <a:rPr lang="de-DE" smtClean="0"/>
+              <a:t>Präsentationstitel</a:t>
+            </a:r>
+            <a:endParaRPr lang="de-DE"/>
+          </a:p>
+        </p:txBody>
+      </p:sp>
+      <p:sp>
+        <p:nvSpPr>
+          <p:cNvPr id="7" name="Foliennummernplatzhalter 6"/>
+          <p:cNvSpPr>
+            <a:spLocks noGrp="1"/>
+          </p:cNvSpPr>
+          <p:nvPr>
+            <p:ph type="sldNum" sz="quarter" idx="12"/>
+          </p:nvPr>
+        </p:nvSpPr>
+        <p:spPr/>
+        <p:txBody>
+          <a:bodyPr/>
+          <a:lstStyle/>
+          <a:p>
+            <a:fld id="{5F9299EF-AC70-49B0-AC02-B1CDF7ABB087}" type="slidenum">
+              <a:rPr lang="de-DE" smtClean="0"/>
+              <a:pPr/>
+              <a:t>21</a:t>
+            </a:fld>
+            <a:endParaRPr lang="de-DE"/>
+          </a:p>
+        </p:txBody>
+      </p:sp>
+      <p:pic>
+        <p:nvPicPr>
+          <p:cNvPr id="4" name="Inhaltsplatzhalter 3"/>
+          <p:cNvPicPr>
+            <a:picLocks noGrp="1" noChangeAspect="1"/>
+          </p:cNvPicPr>
+          <p:nvPr>
+            <p:ph sz="half" idx="2"/>
+          </p:nvPr>
+        </p:nvPicPr>
+        <p:blipFill rotWithShape="1">
+          <a:blip r:embed="rId2">
+            <a:extLst>
+              <a:ext uri="{28A0092B-C50C-407E-A947-70E740481C1C}">
+                <a14:useLocalDpi xmlns:a14="http://schemas.microsoft.com/office/drawing/2010/main" val="0"/>
+              </a:ext>
+            </a:extLst>
+          </a:blip>
+          <a:srcRect t="7131"/>
+          <a:stretch/>
+        </p:blipFill>
+        <p:spPr>
+          <a:xfrm>
+            <a:off x="1673597" y="4030132"/>
+            <a:ext cx="5058643" cy="2205567"/>
+          </a:xfrm>
+        </p:spPr>
+      </p:pic>
+    </p:spTree>
+    <p:extLst>
+      <p:ext uri="{BB962C8B-B14F-4D97-AF65-F5344CB8AC3E}">
+        <p14:creationId xmlns:p14="http://schemas.microsoft.com/office/powerpoint/2010/main" val="2794213542"/>
+      </p:ext>
+    </p:extLst>
+  </p:cSld>
+  <p:clrMapOvr>
+    <a:masterClrMapping/>
+  </p:clrMapOvr>
+</p:sld>
+</file>
+
+<file path=ppt/slides/slide22.xml><?xml version="1.0" encoding="utf-8"?>
+<p:sld xmlns:a="http://schemas.openxmlformats.org/drawingml/2006/main" xmlns:r="http://schemas.openxmlformats.org/officeDocument/2006/relationships" xmlns:p="http://schemas.openxmlformats.org/presentationml/2006/main">
+  <p:cSld>
+    <p:spTree>
+      <p:nvGrpSpPr>
+        <p:cNvPr id="1" name=""/>
+        <p:cNvGrpSpPr/>
+        <p:nvPr/>
+      </p:nvGrpSpPr>
+      <p:grpSpPr>
+        <a:xfrm>
+          <a:off x="0" y="0"/>
+          <a:ext cx="0" cy="0"/>
+          <a:chOff x="0" y="0"/>
+          <a:chExt cx="0" cy="0"/>
+        </a:xfrm>
+      </p:grpSpPr>
+      <p:sp>
+        <p:nvSpPr>
+          <p:cNvPr id="2" name="Titel 1"/>
+          <p:cNvSpPr>
+            <a:spLocks noGrp="1"/>
+          </p:cNvSpPr>
+          <p:nvPr>
+            <p:ph type="title"/>
+          </p:nvPr>
+        </p:nvSpPr>
+        <p:spPr/>
+        <p:txBody>
+          <a:bodyPr/>
+          <a:lstStyle/>
+          <a:p>
+            <a:r>
+              <a:rPr lang="de-DE" dirty="0" smtClean="0"/>
+              <a:t>K-Center Data Description</a:t>
+            </a:r>
+            <a:endParaRPr lang="de-DE" dirty="0"/>
+          </a:p>
+        </p:txBody>
+      </p:sp>
+      <p:sp>
+        <p:nvSpPr>
+          <p:cNvPr id="3" name="Inhaltsplatzhalter 2"/>
+          <p:cNvSpPr>
+            <a:spLocks noGrp="1"/>
+          </p:cNvSpPr>
+          <p:nvPr>
+            <p:ph sz="half" idx="1"/>
+          </p:nvPr>
+        </p:nvSpPr>
+        <p:spPr>
+          <a:xfrm>
+            <a:off x="366111" y="1544087"/>
+            <a:ext cx="7704137" cy="2376735"/>
+          </a:xfrm>
+        </p:spPr>
+        <p:txBody>
+          <a:bodyPr/>
+          <a:lstStyle/>
+          <a:p>
+            <a:pPr marL="0" indent="0" algn="ctr">
+              <a:buNone/>
+            </a:pPr>
+            <a:endParaRPr lang="de-DE" dirty="0"/>
+          </a:p>
+        </p:txBody>
+      </p:sp>
+      <p:sp>
+        <p:nvSpPr>
+          <p:cNvPr id="5" name="Datumsplatzhalter 4"/>
+          <p:cNvSpPr>
+            <a:spLocks noGrp="1"/>
+          </p:cNvSpPr>
+          <p:nvPr>
+            <p:ph type="dt" sz="half" idx="10"/>
+          </p:nvPr>
+        </p:nvSpPr>
+        <p:spPr/>
+        <p:txBody>
+          <a:bodyPr/>
+          <a:lstStyle/>
+          <a:p>
+            <a:fld id="{3445AF6D-F46D-415C-AD3E-77E0038AE70E}" type="datetime1">
+              <a:rPr lang="de-DE" smtClean="0"/>
+              <a:pPr/>
+              <a:t>17.07.2013</a:t>
+            </a:fld>
+            <a:endParaRPr lang="de-DE"/>
+          </a:p>
+        </p:txBody>
+      </p:sp>
+      <p:sp>
+        <p:nvSpPr>
+          <p:cNvPr id="6" name="Fußzeilenplatzhalter 5"/>
+          <p:cNvSpPr>
+            <a:spLocks noGrp="1"/>
+          </p:cNvSpPr>
+          <p:nvPr>
+            <p:ph type="ftr" sz="quarter" idx="11"/>
+          </p:nvPr>
+        </p:nvSpPr>
+        <p:spPr/>
+        <p:txBody>
+          <a:bodyPr/>
+          <a:lstStyle/>
+          <a:p>
+            <a:pPr>
+              <a:defRPr/>
+            </a:pPr>
+            <a:r>
+              <a:rPr lang="de-DE" smtClean="0"/>
+              <a:t>Präsentationstitel</a:t>
+            </a:r>
+            <a:endParaRPr lang="de-DE"/>
+          </a:p>
+        </p:txBody>
+      </p:sp>
+      <p:sp>
+        <p:nvSpPr>
+          <p:cNvPr id="7" name="Foliennummernplatzhalter 6"/>
+          <p:cNvSpPr>
+            <a:spLocks noGrp="1"/>
+          </p:cNvSpPr>
+          <p:nvPr>
+            <p:ph type="sldNum" sz="quarter" idx="12"/>
+          </p:nvPr>
+        </p:nvSpPr>
+        <p:spPr/>
+        <p:txBody>
+          <a:bodyPr/>
+          <a:lstStyle/>
+          <a:p>
+            <a:fld id="{5F9299EF-AC70-49B0-AC02-B1CDF7ABB087}" type="slidenum">
+              <a:rPr lang="de-DE" smtClean="0"/>
+              <a:pPr/>
+              <a:t>22</a:t>
+            </a:fld>
+            <a:endParaRPr lang="de-DE"/>
+          </a:p>
+        </p:txBody>
+      </p:sp>
+      <p:sp>
+        <p:nvSpPr>
+          <p:cNvPr id="8" name="Inhaltsplatzhalter 7"/>
+          <p:cNvSpPr>
+            <a:spLocks noGrp="1"/>
+          </p:cNvSpPr>
+          <p:nvPr>
+            <p:ph sz="half" idx="2"/>
+          </p:nvPr>
+        </p:nvSpPr>
+        <p:spPr>
+          <a:xfrm>
+            <a:off x="366110" y="3861048"/>
+            <a:ext cx="7704138" cy="2374652"/>
+          </a:xfrm>
+        </p:spPr>
+        <p:txBody>
+          <a:bodyPr/>
+          <a:lstStyle/>
+          <a:p>
+            <a:endParaRPr lang="de-DE" dirty="0"/>
+          </a:p>
+        </p:txBody>
+      </p:sp>
+    </p:spTree>
+    <p:extLst>
+      <p:ext uri="{BB962C8B-B14F-4D97-AF65-F5344CB8AC3E}">
+        <p14:creationId xmlns:p14="http://schemas.microsoft.com/office/powerpoint/2010/main" val="52437623"/>
+      </p:ext>
+    </p:extLst>
+  </p:cSld>
+  <p:clrMapOvr>
+    <a:masterClrMapping/>
+  </p:clrMapOvr>
+</p:sld>
+</file>
+
+<file path=ppt/slides/slide23.xml><?xml version="1.0" encoding="utf-8"?>
+<p:sld xmlns:a="http://schemas.openxmlformats.org/drawingml/2006/main" xmlns:r="http://schemas.openxmlformats.org/officeDocument/2006/relationships" xmlns:p="http://schemas.openxmlformats.org/presentationml/2006/main">
+  <p:cSld>
+    <p:spTree>
+      <p:nvGrpSpPr>
+        <p:cNvPr id="1" name=""/>
+        <p:cNvGrpSpPr/>
+        <p:nvPr/>
+      </p:nvGrpSpPr>
+      <p:grpSpPr>
+        <a:xfrm>
+          <a:off x="0" y="0"/>
+          <a:ext cx="0" cy="0"/>
+          <a:chOff x="0" y="0"/>
+          <a:chExt cx="0" cy="0"/>
+        </a:xfrm>
+      </p:grpSpPr>
+      <p:sp>
+        <p:nvSpPr>
+          <p:cNvPr id="2" name="Titel 1"/>
+          <p:cNvSpPr>
+            <a:spLocks noGrp="1"/>
+          </p:cNvSpPr>
+          <p:nvPr>
+            <p:ph type="title"/>
+          </p:nvPr>
+        </p:nvSpPr>
+        <p:spPr/>
+        <p:txBody>
+          <a:bodyPr/>
+          <a:lstStyle/>
+          <a:p>
+            <a:r>
+              <a:rPr lang="de-DE" dirty="0"/>
+              <a:t>K-Center Data Description</a:t>
+            </a:r>
+          </a:p>
+        </p:txBody>
+      </p:sp>
+      <p:sp>
+        <p:nvSpPr>
+          <p:cNvPr id="3" name="Inhaltsplatzhalter 2"/>
+          <p:cNvSpPr>
+            <a:spLocks noGrp="1"/>
+          </p:cNvSpPr>
+          <p:nvPr>
+            <p:ph sz="half" idx="1"/>
+          </p:nvPr>
+        </p:nvSpPr>
+        <p:spPr>
+          <a:xfrm>
+            <a:off x="366111" y="1544087"/>
+            <a:ext cx="7704137" cy="2376735"/>
+          </a:xfrm>
+        </p:spPr>
+        <p:txBody>
+          <a:bodyPr/>
+          <a:lstStyle/>
+          <a:p>
+            <a:pPr marL="0" indent="0" algn="ctr">
+              <a:buNone/>
+            </a:pPr>
+            <a:endParaRPr lang="de-DE" dirty="0"/>
+          </a:p>
+        </p:txBody>
+      </p:sp>
+      <p:sp>
+        <p:nvSpPr>
+          <p:cNvPr id="5" name="Datumsplatzhalter 4"/>
+          <p:cNvSpPr>
+            <a:spLocks noGrp="1"/>
+          </p:cNvSpPr>
+          <p:nvPr>
+            <p:ph type="dt" sz="half" idx="10"/>
+          </p:nvPr>
+        </p:nvSpPr>
+        <p:spPr/>
+        <p:txBody>
+          <a:bodyPr/>
+          <a:lstStyle/>
+          <a:p>
+            <a:fld id="{3445AF6D-F46D-415C-AD3E-77E0038AE70E}" type="datetime1">
+              <a:rPr lang="de-DE" smtClean="0"/>
+              <a:pPr/>
+              <a:t>17.07.2013</a:t>
+            </a:fld>
+            <a:endParaRPr lang="de-DE"/>
+          </a:p>
+        </p:txBody>
+      </p:sp>
+      <p:sp>
+        <p:nvSpPr>
+          <p:cNvPr id="6" name="Fußzeilenplatzhalter 5"/>
+          <p:cNvSpPr>
+            <a:spLocks noGrp="1"/>
+          </p:cNvSpPr>
+          <p:nvPr>
+            <p:ph type="ftr" sz="quarter" idx="11"/>
+          </p:nvPr>
+        </p:nvSpPr>
+        <p:spPr/>
+        <p:txBody>
+          <a:bodyPr/>
+          <a:lstStyle/>
+          <a:p>
+            <a:pPr>
+              <a:defRPr/>
+            </a:pPr>
+            <a:r>
+              <a:rPr lang="de-DE" smtClean="0"/>
+              <a:t>Präsentationstitel</a:t>
+            </a:r>
+            <a:endParaRPr lang="de-DE"/>
+          </a:p>
+        </p:txBody>
+      </p:sp>
+      <p:sp>
+        <p:nvSpPr>
+          <p:cNvPr id="7" name="Foliennummernplatzhalter 6"/>
+          <p:cNvSpPr>
+            <a:spLocks noGrp="1"/>
+          </p:cNvSpPr>
+          <p:nvPr>
+            <p:ph type="sldNum" sz="quarter" idx="12"/>
+          </p:nvPr>
+        </p:nvSpPr>
+        <p:spPr/>
+        <p:txBody>
+          <a:bodyPr/>
+          <a:lstStyle/>
+          <a:p>
+            <a:fld id="{5F9299EF-AC70-49B0-AC02-B1CDF7ABB087}" type="slidenum">
+              <a:rPr lang="de-DE" smtClean="0"/>
+              <a:pPr/>
+              <a:t>23</a:t>
+            </a:fld>
+            <a:endParaRPr lang="de-DE"/>
+          </a:p>
+        </p:txBody>
+      </p:sp>
+      <p:pic>
+        <p:nvPicPr>
+          <p:cNvPr id="4" name="Inhaltsplatzhalter 3"/>
+          <p:cNvPicPr>
+            <a:picLocks noGrp="1" noChangeAspect="1"/>
+          </p:cNvPicPr>
+          <p:nvPr>
+            <p:ph sz="half" idx="2"/>
+          </p:nvPr>
+        </p:nvPicPr>
+        <p:blipFill>
+          <a:blip r:embed="rId2">
+            <a:extLst>
+              <a:ext uri="{28A0092B-C50C-407E-A947-70E740481C1C}">
+                <a14:useLocalDpi xmlns:a14="http://schemas.microsoft.com/office/drawing/2010/main" val="0"/>
+              </a:ext>
+            </a:extLst>
+          </a:blip>
+          <a:stretch>
+            <a:fillRect/>
+          </a:stretch>
+        </p:blipFill>
+        <p:spPr>
+          <a:xfrm>
+            <a:off x="1691680" y="3860800"/>
+            <a:ext cx="5040560" cy="2376512"/>
+          </a:xfrm>
+        </p:spPr>
+      </p:pic>
+    </p:spTree>
+    <p:extLst>
+      <p:ext uri="{BB962C8B-B14F-4D97-AF65-F5344CB8AC3E}">
+        <p14:creationId xmlns:p14="http://schemas.microsoft.com/office/powerpoint/2010/main" val="1385281790"/>
+      </p:ext>
+    </p:extLst>
+  </p:cSld>
+  <p:clrMapOvr>
+    <a:masterClrMapping/>
+  </p:clrMapOvr>
+</p:sld>
+</file>
+
+<file path=ppt/slides/slide24.xml><?xml version="1.0" encoding="utf-8"?>
+<p:sld xmlns:a="http://schemas.openxmlformats.org/drawingml/2006/main" xmlns:r="http://schemas.openxmlformats.org/officeDocument/2006/relationships" xmlns:p="http://schemas.openxmlformats.org/presentationml/2006/main">
+  <p:cSld>
+    <p:spTree>
+      <p:nvGrpSpPr>
+        <p:cNvPr id="1" name=""/>
+        <p:cNvGrpSpPr/>
+        <p:nvPr/>
+      </p:nvGrpSpPr>
+      <p:grpSpPr>
+        <a:xfrm>
+          <a:off x="0" y="0"/>
+          <a:ext cx="0" cy="0"/>
+          <a:chOff x="0" y="0"/>
+          <a:chExt cx="0" cy="0"/>
+        </a:xfrm>
+      </p:grpSpPr>
+      <p:sp>
+        <p:nvSpPr>
+          <p:cNvPr id="2" name="Titel 1"/>
+          <p:cNvSpPr>
+            <a:spLocks noGrp="1"/>
+          </p:cNvSpPr>
+          <p:nvPr>
+            <p:ph type="title"/>
+          </p:nvPr>
+        </p:nvSpPr>
+        <p:spPr/>
+        <p:txBody>
+          <a:bodyPr/>
+          <a:lstStyle/>
+          <a:p>
+            <a:r>
+              <a:rPr lang="de-DE" dirty="0" smtClean="0"/>
+              <a:t>K-Center </a:t>
+            </a:r>
+            <a:r>
+              <a:rPr lang="de-DE" dirty="0"/>
+              <a:t>Data Description</a:t>
+            </a:r>
+          </a:p>
+        </p:txBody>
+      </p:sp>
+      <p:sp>
+        <p:nvSpPr>
+          <p:cNvPr id="3" name="Inhaltsplatzhalter 2"/>
+          <p:cNvSpPr>
+            <a:spLocks noGrp="1"/>
+          </p:cNvSpPr>
+          <p:nvPr>
+            <p:ph sz="half" idx="1"/>
+          </p:nvPr>
+        </p:nvSpPr>
+        <p:spPr>
+          <a:xfrm>
+            <a:off x="366111" y="1544087"/>
+            <a:ext cx="7704137" cy="2376735"/>
+          </a:xfrm>
+        </p:spPr>
+        <p:txBody>
+          <a:bodyPr/>
+          <a:lstStyle/>
+          <a:p>
+            <a:pPr marL="0" indent="0" algn="ctr">
+              <a:buNone/>
+            </a:pPr>
+            <a:endParaRPr lang="de-DE" dirty="0"/>
+          </a:p>
+        </p:txBody>
+      </p:sp>
+      <p:sp>
+        <p:nvSpPr>
+          <p:cNvPr id="5" name="Datumsplatzhalter 4"/>
+          <p:cNvSpPr>
+            <a:spLocks noGrp="1"/>
+          </p:cNvSpPr>
+          <p:nvPr>
+            <p:ph type="dt" sz="half" idx="10"/>
+          </p:nvPr>
+        </p:nvSpPr>
+        <p:spPr/>
+        <p:txBody>
+          <a:bodyPr/>
+          <a:lstStyle/>
+          <a:p>
+            <a:fld id="{3445AF6D-F46D-415C-AD3E-77E0038AE70E}" type="datetime1">
+              <a:rPr lang="de-DE" smtClean="0"/>
+              <a:pPr/>
+              <a:t>17.07.2013</a:t>
+            </a:fld>
+            <a:endParaRPr lang="de-DE"/>
+          </a:p>
+        </p:txBody>
+      </p:sp>
+      <p:sp>
+        <p:nvSpPr>
+          <p:cNvPr id="6" name="Fußzeilenplatzhalter 5"/>
+          <p:cNvSpPr>
+            <a:spLocks noGrp="1"/>
+          </p:cNvSpPr>
+          <p:nvPr>
+            <p:ph type="ftr" sz="quarter" idx="11"/>
+          </p:nvPr>
+        </p:nvSpPr>
+        <p:spPr/>
+        <p:txBody>
+          <a:bodyPr/>
+          <a:lstStyle/>
+          <a:p>
+            <a:pPr>
+              <a:defRPr/>
+            </a:pPr>
+            <a:r>
+              <a:rPr lang="de-DE" smtClean="0"/>
+              <a:t>Präsentationstitel</a:t>
+            </a:r>
+            <a:endParaRPr lang="de-DE"/>
+          </a:p>
+        </p:txBody>
+      </p:sp>
+      <p:sp>
+        <p:nvSpPr>
+          <p:cNvPr id="7" name="Foliennummernplatzhalter 6"/>
+          <p:cNvSpPr>
+            <a:spLocks noGrp="1"/>
+          </p:cNvSpPr>
+          <p:nvPr>
+            <p:ph type="sldNum" sz="quarter" idx="12"/>
+          </p:nvPr>
+        </p:nvSpPr>
+        <p:spPr/>
+        <p:txBody>
+          <a:bodyPr/>
+          <a:lstStyle/>
+          <a:p>
+            <a:fld id="{5F9299EF-AC70-49B0-AC02-B1CDF7ABB087}" type="slidenum">
+              <a:rPr lang="de-DE" smtClean="0"/>
+              <a:pPr/>
+              <a:t>24</a:t>
+            </a:fld>
+            <a:endParaRPr lang="de-DE"/>
+          </a:p>
+        </p:txBody>
+      </p:sp>
+      <p:pic>
+        <p:nvPicPr>
+          <p:cNvPr id="4" name="Inhaltsplatzhalter 3"/>
+          <p:cNvPicPr>
+            <a:picLocks noGrp="1" noChangeAspect="1"/>
+          </p:cNvPicPr>
+          <p:nvPr>
+            <p:ph sz="half" idx="2"/>
+          </p:nvPr>
+        </p:nvPicPr>
+        <p:blipFill>
+          <a:blip r:embed="rId2">
+            <a:extLst>
+              <a:ext uri="{28A0092B-C50C-407E-A947-70E740481C1C}">
+                <a14:useLocalDpi xmlns:a14="http://schemas.microsoft.com/office/drawing/2010/main" val="0"/>
+              </a:ext>
+            </a:extLst>
+          </a:blip>
+          <a:stretch>
+            <a:fillRect/>
+          </a:stretch>
+        </p:blipFill>
+        <p:spPr>
+          <a:xfrm>
+            <a:off x="1673597" y="3860800"/>
+            <a:ext cx="5090368" cy="2374900"/>
+          </a:xfrm>
+        </p:spPr>
+      </p:pic>
+    </p:spTree>
+    <p:extLst>
+      <p:ext uri="{BB962C8B-B14F-4D97-AF65-F5344CB8AC3E}">
+        <p14:creationId xmlns:p14="http://schemas.microsoft.com/office/powerpoint/2010/main" val="3607658895"/>
+      </p:ext>
+    </p:extLst>
+  </p:cSld>
+  <p:clrMapOvr>
+    <a:masterClrMapping/>
+  </p:clrMapOvr>
+</p:sld>
+</file>
+
+<file path=ppt/slides/slide25.xml><?xml version="1.0" encoding="utf-8"?>
+<p:sld xmlns:a="http://schemas.openxmlformats.org/drawingml/2006/main" xmlns:r="http://schemas.openxmlformats.org/officeDocument/2006/relationships" xmlns:p="http://schemas.openxmlformats.org/presentationml/2006/main">
+  <p:cSld>
+    <p:spTree>
+      <p:nvGrpSpPr>
+        <p:cNvPr id="1" name=""/>
+        <p:cNvGrpSpPr/>
+        <p:nvPr/>
+      </p:nvGrpSpPr>
+      <p:grpSpPr>
+        <a:xfrm>
+          <a:off x="0" y="0"/>
+          <a:ext cx="0" cy="0"/>
+          <a:chOff x="0" y="0"/>
+          <a:chExt cx="0" cy="0"/>
+        </a:xfrm>
+      </p:grpSpPr>
+      <p:sp>
+        <p:nvSpPr>
+          <p:cNvPr id="2" name="Titel 1"/>
+          <p:cNvSpPr>
+            <a:spLocks noGrp="1"/>
+          </p:cNvSpPr>
+          <p:nvPr>
+            <p:ph type="title"/>
+          </p:nvPr>
+        </p:nvSpPr>
+        <p:spPr/>
+        <p:txBody>
+          <a:bodyPr/>
+          <a:lstStyle/>
+          <a:p>
+            <a:r>
+              <a:rPr lang="de-DE" dirty="0" smtClean="0"/>
+              <a:t>K-</a:t>
+            </a:r>
+            <a:r>
+              <a:rPr lang="de-DE" dirty="0" err="1" smtClean="0"/>
+              <a:t>Means</a:t>
+            </a:r>
+            <a:r>
+              <a:rPr lang="de-DE" dirty="0" smtClean="0"/>
+              <a:t> Data Description</a:t>
+            </a:r>
+            <a:endParaRPr lang="de-DE" dirty="0"/>
+          </a:p>
+        </p:txBody>
+      </p:sp>
+      <p:sp>
+        <p:nvSpPr>
+          <p:cNvPr id="3" name="Inhaltsplatzhalter 2"/>
+          <p:cNvSpPr>
+            <a:spLocks noGrp="1"/>
+          </p:cNvSpPr>
+          <p:nvPr>
+            <p:ph sz="half" idx="1"/>
+          </p:nvPr>
+        </p:nvSpPr>
+        <p:spPr>
+          <a:xfrm>
+            <a:off x="366111" y="1544087"/>
+            <a:ext cx="7704137" cy="2376735"/>
+          </a:xfrm>
+        </p:spPr>
+        <p:txBody>
+          <a:bodyPr/>
+          <a:lstStyle/>
+          <a:p>
+            <a:pPr marL="0" indent="0" algn="ctr">
+              <a:buNone/>
+            </a:pPr>
+            <a:endParaRPr lang="de-DE" dirty="0"/>
+          </a:p>
+        </p:txBody>
+      </p:sp>
+      <p:sp>
+        <p:nvSpPr>
+          <p:cNvPr id="5" name="Datumsplatzhalter 4"/>
+          <p:cNvSpPr>
+            <a:spLocks noGrp="1"/>
+          </p:cNvSpPr>
+          <p:nvPr>
+            <p:ph type="dt" sz="half" idx="10"/>
+          </p:nvPr>
+        </p:nvSpPr>
+        <p:spPr/>
+        <p:txBody>
+          <a:bodyPr/>
+          <a:lstStyle/>
+          <a:p>
+            <a:fld id="{3445AF6D-F46D-415C-AD3E-77E0038AE70E}" type="datetime1">
+              <a:rPr lang="de-DE" smtClean="0"/>
+              <a:pPr/>
+              <a:t>17.07.2013</a:t>
+            </a:fld>
+            <a:endParaRPr lang="de-DE"/>
+          </a:p>
+        </p:txBody>
+      </p:sp>
+      <p:sp>
+        <p:nvSpPr>
+          <p:cNvPr id="6" name="Fußzeilenplatzhalter 5"/>
+          <p:cNvSpPr>
+            <a:spLocks noGrp="1"/>
+          </p:cNvSpPr>
+          <p:nvPr>
+            <p:ph type="ftr" sz="quarter" idx="11"/>
+          </p:nvPr>
+        </p:nvSpPr>
+        <p:spPr/>
+        <p:txBody>
+          <a:bodyPr/>
+          <a:lstStyle/>
+          <a:p>
+            <a:pPr>
+              <a:defRPr/>
+            </a:pPr>
+            <a:r>
+              <a:rPr lang="de-DE" smtClean="0"/>
+              <a:t>Präsentationstitel</a:t>
+            </a:r>
+            <a:endParaRPr lang="de-DE"/>
+          </a:p>
+        </p:txBody>
+      </p:sp>
+      <p:sp>
+        <p:nvSpPr>
+          <p:cNvPr id="7" name="Foliennummernplatzhalter 6"/>
+          <p:cNvSpPr>
+            <a:spLocks noGrp="1"/>
+          </p:cNvSpPr>
+          <p:nvPr>
+            <p:ph type="sldNum" sz="quarter" idx="12"/>
+          </p:nvPr>
+        </p:nvSpPr>
+        <p:spPr/>
+        <p:txBody>
+          <a:bodyPr/>
+          <a:lstStyle/>
+          <a:p>
+            <a:fld id="{5F9299EF-AC70-49B0-AC02-B1CDF7ABB087}" type="slidenum">
+              <a:rPr lang="de-DE" smtClean="0"/>
+              <a:pPr/>
+              <a:t>25</a:t>
+            </a:fld>
+            <a:endParaRPr lang="de-DE"/>
+          </a:p>
+        </p:txBody>
+      </p:sp>
+      <p:sp>
+        <p:nvSpPr>
+          <p:cNvPr id="8" name="Inhaltsplatzhalter 7"/>
+          <p:cNvSpPr>
+            <a:spLocks noGrp="1"/>
+          </p:cNvSpPr>
+          <p:nvPr>
+            <p:ph sz="half" idx="2"/>
+          </p:nvPr>
+        </p:nvSpPr>
+        <p:spPr>
+          <a:xfrm>
+            <a:off x="366110" y="3861048"/>
+            <a:ext cx="7704138" cy="2374652"/>
+          </a:xfrm>
+        </p:spPr>
+        <p:txBody>
+          <a:bodyPr/>
+          <a:lstStyle/>
+          <a:p>
+            <a:endParaRPr lang="de-DE" dirty="0"/>
+          </a:p>
+        </p:txBody>
+      </p:sp>
+    </p:spTree>
+    <p:extLst>
+      <p:ext uri="{BB962C8B-B14F-4D97-AF65-F5344CB8AC3E}">
+        <p14:creationId xmlns:p14="http://schemas.microsoft.com/office/powerpoint/2010/main" val="4210182859"/>
+      </p:ext>
+    </p:extLst>
+  </p:cSld>
+  <p:clrMapOvr>
+    <a:masterClrMapping/>
+  </p:clrMapOvr>
+</p:sld>
+</file>
+
+<file path=ppt/slides/slide26.xml><?xml version="1.0" encoding="utf-8"?>
+<p:sld xmlns:a="http://schemas.openxmlformats.org/drawingml/2006/main" xmlns:r="http://schemas.openxmlformats.org/officeDocument/2006/relationships" xmlns:p="http://schemas.openxmlformats.org/presentationml/2006/main">
+  <p:cSld>
+    <p:spTree>
+      <p:nvGrpSpPr>
+        <p:cNvPr id="1" name=""/>
+        <p:cNvGrpSpPr/>
+        <p:nvPr/>
+      </p:nvGrpSpPr>
+      <p:grpSpPr>
+        <a:xfrm>
+          <a:off x="0" y="0"/>
+          <a:ext cx="0" cy="0"/>
+          <a:chOff x="0" y="0"/>
+          <a:chExt cx="0" cy="0"/>
+        </a:xfrm>
+      </p:grpSpPr>
+      <p:sp>
+        <p:nvSpPr>
+          <p:cNvPr id="2" name="Titel 1"/>
+          <p:cNvSpPr>
+            <a:spLocks noGrp="1"/>
+          </p:cNvSpPr>
+          <p:nvPr>
+            <p:ph type="title"/>
+          </p:nvPr>
+        </p:nvSpPr>
+        <p:spPr/>
+        <p:txBody>
+          <a:bodyPr/>
+          <a:lstStyle/>
+          <a:p>
+            <a:r>
+              <a:rPr lang="de-DE" dirty="0"/>
+              <a:t>K-</a:t>
+            </a:r>
+            <a:r>
+              <a:rPr lang="de-DE" dirty="0" err="1"/>
+              <a:t>Means</a:t>
+            </a:r>
+            <a:r>
+              <a:rPr lang="de-DE" dirty="0"/>
+              <a:t> Data Description</a:t>
+            </a:r>
+          </a:p>
+        </p:txBody>
+      </p:sp>
+      <p:sp>
+        <p:nvSpPr>
+          <p:cNvPr id="3" name="Inhaltsplatzhalter 2"/>
+          <p:cNvSpPr>
+            <a:spLocks noGrp="1"/>
+          </p:cNvSpPr>
+          <p:nvPr>
+            <p:ph sz="half" idx="1"/>
+          </p:nvPr>
+        </p:nvSpPr>
+        <p:spPr>
+          <a:xfrm>
+            <a:off x="366111" y="1544087"/>
+            <a:ext cx="7704137" cy="2376735"/>
+          </a:xfrm>
+        </p:spPr>
+        <p:txBody>
+          <a:bodyPr/>
+          <a:lstStyle/>
+          <a:p>
+            <a:pPr marL="0" indent="0" algn="ctr">
+              <a:buNone/>
+            </a:pPr>
+            <a:endParaRPr lang="de-DE" dirty="0"/>
+          </a:p>
+        </p:txBody>
+      </p:sp>
+      <p:sp>
+        <p:nvSpPr>
+          <p:cNvPr id="5" name="Datumsplatzhalter 4"/>
+          <p:cNvSpPr>
+            <a:spLocks noGrp="1"/>
+          </p:cNvSpPr>
+          <p:nvPr>
+            <p:ph type="dt" sz="half" idx="10"/>
+          </p:nvPr>
+        </p:nvSpPr>
+        <p:spPr/>
+        <p:txBody>
+          <a:bodyPr/>
+          <a:lstStyle/>
+          <a:p>
+            <a:fld id="{3445AF6D-F46D-415C-AD3E-77E0038AE70E}" type="datetime1">
+              <a:rPr lang="de-DE" smtClean="0"/>
+              <a:pPr/>
+              <a:t>17.07.2013</a:t>
+            </a:fld>
+            <a:endParaRPr lang="de-DE"/>
+          </a:p>
+        </p:txBody>
+      </p:sp>
+      <p:sp>
+        <p:nvSpPr>
+          <p:cNvPr id="6" name="Fußzeilenplatzhalter 5"/>
+          <p:cNvSpPr>
+            <a:spLocks noGrp="1"/>
+          </p:cNvSpPr>
+          <p:nvPr>
+            <p:ph type="ftr" sz="quarter" idx="11"/>
+          </p:nvPr>
+        </p:nvSpPr>
+        <p:spPr/>
+        <p:txBody>
+          <a:bodyPr/>
+          <a:lstStyle/>
+          <a:p>
+            <a:pPr>
+              <a:defRPr/>
+            </a:pPr>
+            <a:r>
+              <a:rPr lang="de-DE" smtClean="0"/>
+              <a:t>Präsentationstitel</a:t>
+            </a:r>
+            <a:endParaRPr lang="de-DE"/>
+          </a:p>
+        </p:txBody>
+      </p:sp>
+      <p:sp>
+        <p:nvSpPr>
+          <p:cNvPr id="7" name="Foliennummernplatzhalter 6"/>
+          <p:cNvSpPr>
+            <a:spLocks noGrp="1"/>
+          </p:cNvSpPr>
+          <p:nvPr>
+            <p:ph type="sldNum" sz="quarter" idx="12"/>
+          </p:nvPr>
+        </p:nvSpPr>
+        <p:spPr/>
+        <p:txBody>
+          <a:bodyPr/>
+          <a:lstStyle/>
+          <a:p>
+            <a:fld id="{5F9299EF-AC70-49B0-AC02-B1CDF7ABB087}" type="slidenum">
+              <a:rPr lang="de-DE" smtClean="0"/>
+              <a:pPr/>
+              <a:t>26</a:t>
+            </a:fld>
+            <a:endParaRPr lang="de-DE"/>
+          </a:p>
+        </p:txBody>
+      </p:sp>
+      <p:pic>
+        <p:nvPicPr>
+          <p:cNvPr id="4" name="Inhaltsplatzhalter 3"/>
+          <p:cNvPicPr>
+            <a:picLocks noGrp="1" noChangeAspect="1"/>
+          </p:cNvPicPr>
+          <p:nvPr>
+            <p:ph sz="half" idx="2"/>
+          </p:nvPr>
+        </p:nvPicPr>
+        <p:blipFill>
+          <a:blip r:embed="rId2">
+            <a:extLst>
+              <a:ext uri="{28A0092B-C50C-407E-A947-70E740481C1C}">
+                <a14:useLocalDpi xmlns:a14="http://schemas.microsoft.com/office/drawing/2010/main" val="0"/>
+              </a:ext>
+            </a:extLst>
+          </a:blip>
+          <a:stretch>
+            <a:fillRect/>
+          </a:stretch>
+        </p:blipFill>
+        <p:spPr>
+          <a:xfrm>
+            <a:off x="1691680" y="3860800"/>
+            <a:ext cx="5040560" cy="2376512"/>
+          </a:xfrm>
+        </p:spPr>
+      </p:pic>
+    </p:spTree>
+    <p:extLst>
+      <p:ext uri="{BB962C8B-B14F-4D97-AF65-F5344CB8AC3E}">
+        <p14:creationId xmlns:p14="http://schemas.microsoft.com/office/powerpoint/2010/main" val="3275956808"/>
+      </p:ext>
+    </p:extLst>
+  </p:cSld>
+  <p:clrMapOvr>
+    <a:masterClrMapping/>
+  </p:clrMapOvr>
+</p:sld>
+</file>
+
+<file path=ppt/slides/slide27.xml><?xml version="1.0" encoding="utf-8"?>
+<p:sld xmlns:a="http://schemas.openxmlformats.org/drawingml/2006/main" xmlns:r="http://schemas.openxmlformats.org/officeDocument/2006/relationships" xmlns:p="http://schemas.openxmlformats.org/presentationml/2006/main">
+  <p:cSld>
+    <p:spTree>
+      <p:nvGrpSpPr>
+        <p:cNvPr id="1" name=""/>
+        <p:cNvGrpSpPr/>
+        <p:nvPr/>
+      </p:nvGrpSpPr>
+      <p:grpSpPr>
+        <a:xfrm>
+          <a:off x="0" y="0"/>
+          <a:ext cx="0" cy="0"/>
+          <a:chOff x="0" y="0"/>
+          <a:chExt cx="0" cy="0"/>
+        </a:xfrm>
+      </p:grpSpPr>
+      <p:sp>
+        <p:nvSpPr>
+          <p:cNvPr id="2" name="Titel 1"/>
+          <p:cNvSpPr>
+            <a:spLocks noGrp="1"/>
+          </p:cNvSpPr>
+          <p:nvPr>
+            <p:ph type="title"/>
+          </p:nvPr>
+        </p:nvSpPr>
+        <p:spPr/>
+        <p:txBody>
+          <a:bodyPr/>
+          <a:lstStyle/>
+          <a:p>
+            <a:r>
+              <a:rPr lang="de-DE" dirty="0"/>
+              <a:t>K-</a:t>
+            </a:r>
+            <a:r>
+              <a:rPr lang="de-DE" dirty="0" err="1"/>
+              <a:t>Means</a:t>
+            </a:r>
+            <a:r>
+              <a:rPr lang="de-DE" dirty="0"/>
+              <a:t> Data Description</a:t>
+            </a:r>
+          </a:p>
+        </p:txBody>
+      </p:sp>
+      <p:sp>
+        <p:nvSpPr>
+          <p:cNvPr id="3" name="Inhaltsplatzhalter 2"/>
+          <p:cNvSpPr>
+            <a:spLocks noGrp="1"/>
+          </p:cNvSpPr>
+          <p:nvPr>
+            <p:ph sz="half" idx="1"/>
+          </p:nvPr>
+        </p:nvSpPr>
+        <p:spPr>
+          <a:xfrm>
+            <a:off x="366111" y="1544087"/>
+            <a:ext cx="7704137" cy="2376735"/>
+          </a:xfrm>
+        </p:spPr>
+        <p:txBody>
+          <a:bodyPr/>
+          <a:lstStyle/>
+          <a:p>
+            <a:pPr marL="0" indent="0" algn="ctr">
+              <a:buNone/>
+            </a:pPr>
+            <a:endParaRPr lang="de-DE" dirty="0"/>
+          </a:p>
+        </p:txBody>
+      </p:sp>
+      <p:sp>
+        <p:nvSpPr>
+          <p:cNvPr id="5" name="Datumsplatzhalter 4"/>
+          <p:cNvSpPr>
+            <a:spLocks noGrp="1"/>
+          </p:cNvSpPr>
+          <p:nvPr>
+            <p:ph type="dt" sz="half" idx="10"/>
+          </p:nvPr>
+        </p:nvSpPr>
+        <p:spPr/>
+        <p:txBody>
+          <a:bodyPr/>
+          <a:lstStyle/>
+          <a:p>
+            <a:fld id="{3445AF6D-F46D-415C-AD3E-77E0038AE70E}" type="datetime1">
+              <a:rPr lang="de-DE" smtClean="0"/>
+              <a:pPr/>
+              <a:t>17.07.2013</a:t>
+            </a:fld>
+            <a:endParaRPr lang="de-DE"/>
+          </a:p>
+        </p:txBody>
+      </p:sp>
+      <p:sp>
+        <p:nvSpPr>
+          <p:cNvPr id="6" name="Fußzeilenplatzhalter 5"/>
+          <p:cNvSpPr>
+            <a:spLocks noGrp="1"/>
+          </p:cNvSpPr>
+          <p:nvPr>
+            <p:ph type="ftr" sz="quarter" idx="11"/>
+          </p:nvPr>
+        </p:nvSpPr>
+        <p:spPr/>
+        <p:txBody>
+          <a:bodyPr/>
+          <a:lstStyle/>
+          <a:p>
+            <a:pPr>
+              <a:defRPr/>
+            </a:pPr>
+            <a:r>
+              <a:rPr lang="de-DE" smtClean="0"/>
+              <a:t>Präsentationstitel</a:t>
+            </a:r>
+            <a:endParaRPr lang="de-DE"/>
+          </a:p>
+        </p:txBody>
+      </p:sp>
+      <p:sp>
+        <p:nvSpPr>
+          <p:cNvPr id="7" name="Foliennummernplatzhalter 6"/>
+          <p:cNvSpPr>
+            <a:spLocks noGrp="1"/>
+          </p:cNvSpPr>
+          <p:nvPr>
+            <p:ph type="sldNum" sz="quarter" idx="12"/>
+          </p:nvPr>
+        </p:nvSpPr>
+        <p:spPr/>
+        <p:txBody>
+          <a:bodyPr/>
+          <a:lstStyle/>
+          <a:p>
+            <a:fld id="{5F9299EF-AC70-49B0-AC02-B1CDF7ABB087}" type="slidenum">
+              <a:rPr lang="de-DE" smtClean="0"/>
+              <a:pPr/>
+              <a:t>27</a:t>
+            </a:fld>
+            <a:endParaRPr lang="de-DE"/>
+          </a:p>
+        </p:txBody>
+      </p:sp>
+      <p:pic>
+        <p:nvPicPr>
+          <p:cNvPr id="4" name="Inhaltsplatzhalter 3"/>
+          <p:cNvPicPr>
+            <a:picLocks noGrp="1" noChangeAspect="1"/>
+          </p:cNvPicPr>
+          <p:nvPr>
+            <p:ph sz="half" idx="2"/>
+          </p:nvPr>
+        </p:nvPicPr>
+        <p:blipFill>
+          <a:blip r:embed="rId2">
+            <a:extLst>
+              <a:ext uri="{28A0092B-C50C-407E-A947-70E740481C1C}">
+                <a14:useLocalDpi xmlns:a14="http://schemas.microsoft.com/office/drawing/2010/main" val="0"/>
+              </a:ext>
+            </a:extLst>
+          </a:blip>
+          <a:stretch>
+            <a:fillRect/>
+          </a:stretch>
+        </p:blipFill>
+        <p:spPr>
+          <a:xfrm>
+            <a:off x="1673597" y="3860800"/>
+            <a:ext cx="5090368" cy="2374900"/>
+          </a:xfrm>
+        </p:spPr>
+      </p:pic>
+    </p:spTree>
+    <p:extLst>
+      <p:ext uri="{BB962C8B-B14F-4D97-AF65-F5344CB8AC3E}">
+        <p14:creationId xmlns:p14="http://schemas.microsoft.com/office/powerpoint/2010/main" val="588496680"/>
+      </p:ext>
+    </p:extLst>
+  </p:cSld>
+  <p:clrMapOvr>
+    <a:masterClrMapping/>
+  </p:clrMapOvr>
+</p:sld>
+</file>
+
+<file path=ppt/slides/slide28.xml><?xml version="1.0" encoding="utf-8"?>
+<p:sld xmlns:a="http://schemas.openxmlformats.org/drawingml/2006/main" xmlns:r="http://schemas.openxmlformats.org/officeDocument/2006/relationships" xmlns:p="http://schemas.openxmlformats.org/presentationml/2006/main">
+  <p:cSld>
+    <p:spTree>
+      <p:nvGrpSpPr>
+        <p:cNvPr id="1" name=""/>
+        <p:cNvGrpSpPr/>
+        <p:nvPr/>
+      </p:nvGrpSpPr>
+      <p:grpSpPr>
+        <a:xfrm>
+          <a:off x="0" y="0"/>
+          <a:ext cx="0" cy="0"/>
+          <a:chOff x="0" y="0"/>
+          <a:chExt cx="0" cy="0"/>
+        </a:xfrm>
+      </p:grpSpPr>
+      <p:sp>
+        <p:nvSpPr>
+          <p:cNvPr id="2" name="Titel 1"/>
+          <p:cNvSpPr>
+            <a:spLocks noGrp="1"/>
+          </p:cNvSpPr>
+          <p:nvPr>
+            <p:ph type="title"/>
+          </p:nvPr>
+        </p:nvSpPr>
+        <p:spPr/>
+        <p:txBody>
+          <a:bodyPr/>
+          <a:lstStyle/>
+          <a:p>
+            <a:r>
+              <a:rPr lang="de-DE" dirty="0" err="1" smtClean="0"/>
+              <a:t>Nearest</a:t>
+            </a:r>
+            <a:r>
+              <a:rPr lang="de-DE" dirty="0" smtClean="0"/>
+              <a:t> </a:t>
+            </a:r>
+            <a:r>
+              <a:rPr lang="de-DE" dirty="0" err="1" smtClean="0"/>
+              <a:t>Neighbor</a:t>
+            </a:r>
+            <a:r>
+              <a:rPr lang="de-DE" dirty="0" smtClean="0"/>
+              <a:t> Data Description</a:t>
+            </a:r>
+            <a:endParaRPr lang="de-DE" dirty="0"/>
+          </a:p>
+        </p:txBody>
+      </p:sp>
+      <p:sp>
+        <p:nvSpPr>
+          <p:cNvPr id="3" name="Inhaltsplatzhalter 2"/>
+          <p:cNvSpPr>
+            <a:spLocks noGrp="1"/>
+          </p:cNvSpPr>
+          <p:nvPr>
+            <p:ph sz="half" idx="1"/>
+          </p:nvPr>
+        </p:nvSpPr>
+        <p:spPr>
+          <a:xfrm>
+            <a:off x="366111" y="1544087"/>
+            <a:ext cx="7704137" cy="2376735"/>
+          </a:xfrm>
+        </p:spPr>
+        <p:txBody>
+          <a:bodyPr/>
+          <a:lstStyle/>
+          <a:p>
+            <a:pPr marL="0" indent="0" algn="ctr">
+              <a:buNone/>
+            </a:pPr>
+            <a:endParaRPr lang="de-DE" dirty="0"/>
+          </a:p>
+        </p:txBody>
+      </p:sp>
+      <p:sp>
+        <p:nvSpPr>
+          <p:cNvPr id="5" name="Datumsplatzhalter 4"/>
+          <p:cNvSpPr>
+            <a:spLocks noGrp="1"/>
+          </p:cNvSpPr>
+          <p:nvPr>
+            <p:ph type="dt" sz="half" idx="10"/>
+          </p:nvPr>
+        </p:nvSpPr>
+        <p:spPr/>
+        <p:txBody>
+          <a:bodyPr/>
+          <a:lstStyle/>
+          <a:p>
+            <a:fld id="{3445AF6D-F46D-415C-AD3E-77E0038AE70E}" type="datetime1">
+              <a:rPr lang="de-DE" smtClean="0"/>
+              <a:pPr/>
+              <a:t>17.07.2013</a:t>
+            </a:fld>
+            <a:endParaRPr lang="de-DE"/>
+          </a:p>
+        </p:txBody>
+      </p:sp>
+      <p:sp>
+        <p:nvSpPr>
+          <p:cNvPr id="6" name="Fußzeilenplatzhalter 5"/>
+          <p:cNvSpPr>
+            <a:spLocks noGrp="1"/>
+          </p:cNvSpPr>
+          <p:nvPr>
+            <p:ph type="ftr" sz="quarter" idx="11"/>
+          </p:nvPr>
+        </p:nvSpPr>
+        <p:spPr/>
+        <p:txBody>
+          <a:bodyPr/>
+          <a:lstStyle/>
+          <a:p>
+            <a:pPr>
+              <a:defRPr/>
+            </a:pPr>
+            <a:r>
+              <a:rPr lang="de-DE" smtClean="0"/>
+              <a:t>Präsentationstitel</a:t>
+            </a:r>
+            <a:endParaRPr lang="de-DE"/>
+          </a:p>
+        </p:txBody>
+      </p:sp>
+      <p:sp>
+        <p:nvSpPr>
+          <p:cNvPr id="7" name="Foliennummernplatzhalter 6"/>
+          <p:cNvSpPr>
+            <a:spLocks noGrp="1"/>
+          </p:cNvSpPr>
+          <p:nvPr>
+            <p:ph type="sldNum" sz="quarter" idx="12"/>
+          </p:nvPr>
+        </p:nvSpPr>
+        <p:spPr/>
+        <p:txBody>
+          <a:bodyPr/>
+          <a:lstStyle/>
+          <a:p>
+            <a:fld id="{5F9299EF-AC70-49B0-AC02-B1CDF7ABB087}" type="slidenum">
+              <a:rPr lang="de-DE" smtClean="0"/>
+              <a:pPr/>
+              <a:t>28</a:t>
+            </a:fld>
+            <a:endParaRPr lang="de-DE"/>
+          </a:p>
+        </p:txBody>
+      </p:sp>
+      <p:sp>
+        <p:nvSpPr>
+          <p:cNvPr id="8" name="Inhaltsplatzhalter 7"/>
+          <p:cNvSpPr>
+            <a:spLocks noGrp="1"/>
+          </p:cNvSpPr>
+          <p:nvPr>
+            <p:ph sz="half" idx="2"/>
+          </p:nvPr>
+        </p:nvSpPr>
+        <p:spPr>
+          <a:xfrm>
+            <a:off x="366110" y="3861048"/>
+            <a:ext cx="7704138" cy="2374652"/>
+          </a:xfrm>
+        </p:spPr>
+        <p:txBody>
+          <a:bodyPr/>
+          <a:lstStyle/>
+          <a:p>
+            <a:endParaRPr lang="de-DE" dirty="0"/>
+          </a:p>
+        </p:txBody>
+      </p:sp>
+    </p:spTree>
+    <p:extLst>
+      <p:ext uri="{BB962C8B-B14F-4D97-AF65-F5344CB8AC3E}">
+        <p14:creationId xmlns:p14="http://schemas.microsoft.com/office/powerpoint/2010/main" val="4200279055"/>
+      </p:ext>
+    </p:extLst>
+  </p:cSld>
+  <p:clrMapOvr>
+    <a:masterClrMapping/>
+  </p:clrMapOvr>
+</p:sld>
+</file>
+
+<file path=ppt/slides/slide29.xml><?xml version="1.0" encoding="utf-8"?>
+<p:sld xmlns:a="http://schemas.openxmlformats.org/drawingml/2006/main" xmlns:r="http://schemas.openxmlformats.org/officeDocument/2006/relationships" xmlns:p="http://schemas.openxmlformats.org/presentationml/2006/main">
+  <p:cSld>
+    <p:spTree>
+      <p:nvGrpSpPr>
+        <p:cNvPr id="1" name=""/>
+        <p:cNvGrpSpPr/>
+        <p:nvPr/>
+      </p:nvGrpSpPr>
+      <p:grpSpPr>
+        <a:xfrm>
+          <a:off x="0" y="0"/>
+          <a:ext cx="0" cy="0"/>
+          <a:chOff x="0" y="0"/>
+          <a:chExt cx="0" cy="0"/>
+        </a:xfrm>
+      </p:grpSpPr>
+      <p:sp>
+        <p:nvSpPr>
+          <p:cNvPr id="2" name="Titel 1"/>
+          <p:cNvSpPr>
+            <a:spLocks noGrp="1"/>
+          </p:cNvSpPr>
+          <p:nvPr>
+            <p:ph type="title"/>
+          </p:nvPr>
+        </p:nvSpPr>
+        <p:spPr/>
+        <p:txBody>
+          <a:bodyPr/>
+          <a:lstStyle/>
+          <a:p>
+            <a:r>
+              <a:rPr lang="de-DE" dirty="0" err="1"/>
+              <a:t>Nearest</a:t>
+            </a:r>
+            <a:r>
+              <a:rPr lang="de-DE" dirty="0"/>
+              <a:t> </a:t>
+            </a:r>
+            <a:r>
+              <a:rPr lang="de-DE" dirty="0" err="1"/>
+              <a:t>Neighbor</a:t>
+            </a:r>
+            <a:r>
+              <a:rPr lang="de-DE" dirty="0"/>
+              <a:t> Data Description</a:t>
+            </a:r>
+          </a:p>
+        </p:txBody>
+      </p:sp>
+      <p:sp>
+        <p:nvSpPr>
+          <p:cNvPr id="3" name="Inhaltsplatzhalter 2"/>
+          <p:cNvSpPr>
+            <a:spLocks noGrp="1"/>
+          </p:cNvSpPr>
+          <p:nvPr>
+            <p:ph sz="half" idx="1"/>
+          </p:nvPr>
+        </p:nvSpPr>
+        <p:spPr>
+          <a:xfrm>
+            <a:off x="366111" y="1544087"/>
+            <a:ext cx="7704137" cy="2376735"/>
+          </a:xfrm>
+        </p:spPr>
+        <p:txBody>
+          <a:bodyPr/>
+          <a:lstStyle/>
+          <a:p>
+            <a:pPr marL="0" indent="0" algn="ctr">
+              <a:buNone/>
+            </a:pPr>
+            <a:endParaRPr lang="de-DE" dirty="0"/>
+          </a:p>
+        </p:txBody>
+      </p:sp>
+      <p:sp>
+        <p:nvSpPr>
+          <p:cNvPr id="5" name="Datumsplatzhalter 4"/>
+          <p:cNvSpPr>
+            <a:spLocks noGrp="1"/>
+          </p:cNvSpPr>
+          <p:nvPr>
+            <p:ph type="dt" sz="half" idx="10"/>
+          </p:nvPr>
+        </p:nvSpPr>
+        <p:spPr/>
+        <p:txBody>
+          <a:bodyPr/>
+          <a:lstStyle/>
+          <a:p>
+            <a:fld id="{3445AF6D-F46D-415C-AD3E-77E0038AE70E}" type="datetime1">
+              <a:rPr lang="de-DE" smtClean="0"/>
+              <a:pPr/>
+              <a:t>17.07.2013</a:t>
+            </a:fld>
+            <a:endParaRPr lang="de-DE"/>
+          </a:p>
+        </p:txBody>
+      </p:sp>
+      <p:sp>
+        <p:nvSpPr>
+          <p:cNvPr id="6" name="Fußzeilenplatzhalter 5"/>
+          <p:cNvSpPr>
+            <a:spLocks noGrp="1"/>
+          </p:cNvSpPr>
+          <p:nvPr>
+            <p:ph type="ftr" sz="quarter" idx="11"/>
+          </p:nvPr>
+        </p:nvSpPr>
+        <p:spPr/>
+        <p:txBody>
+          <a:bodyPr/>
+          <a:lstStyle/>
+          <a:p>
+            <a:pPr>
+              <a:defRPr/>
+            </a:pPr>
+            <a:r>
+              <a:rPr lang="de-DE" smtClean="0"/>
+              <a:t>Präsentationstitel</a:t>
+            </a:r>
+            <a:endParaRPr lang="de-DE"/>
+          </a:p>
+        </p:txBody>
+      </p:sp>
+      <p:sp>
+        <p:nvSpPr>
+          <p:cNvPr id="7" name="Foliennummernplatzhalter 6"/>
+          <p:cNvSpPr>
+            <a:spLocks noGrp="1"/>
+          </p:cNvSpPr>
+          <p:nvPr>
+            <p:ph type="sldNum" sz="quarter" idx="12"/>
+          </p:nvPr>
+        </p:nvSpPr>
+        <p:spPr/>
+        <p:txBody>
+          <a:bodyPr/>
+          <a:lstStyle/>
+          <a:p>
+            <a:fld id="{5F9299EF-AC70-49B0-AC02-B1CDF7ABB087}" type="slidenum">
+              <a:rPr lang="de-DE" smtClean="0"/>
+              <a:pPr/>
+              <a:t>29</a:t>
+            </a:fld>
+            <a:endParaRPr lang="de-DE"/>
+          </a:p>
+        </p:txBody>
+      </p:sp>
+      <p:pic>
+        <p:nvPicPr>
+          <p:cNvPr id="4" name="Inhaltsplatzhalter 3"/>
+          <p:cNvPicPr>
+            <a:picLocks noGrp="1" noChangeAspect="1"/>
+          </p:cNvPicPr>
+          <p:nvPr>
+            <p:ph sz="half" idx="2"/>
+          </p:nvPr>
+        </p:nvPicPr>
+        <p:blipFill>
+          <a:blip r:embed="rId2">
+            <a:extLst>
+              <a:ext uri="{28A0092B-C50C-407E-A947-70E740481C1C}">
+                <a14:useLocalDpi xmlns:a14="http://schemas.microsoft.com/office/drawing/2010/main" val="0"/>
+              </a:ext>
+            </a:extLst>
+          </a:blip>
+          <a:stretch>
+            <a:fillRect/>
+          </a:stretch>
+        </p:blipFill>
+        <p:spPr>
+          <a:xfrm>
+            <a:off x="1691680" y="3860800"/>
+            <a:ext cx="5040560" cy="2376512"/>
+          </a:xfrm>
+        </p:spPr>
+      </p:pic>
+    </p:spTree>
+    <p:extLst>
+      <p:ext uri="{BB962C8B-B14F-4D97-AF65-F5344CB8AC3E}">
+        <p14:creationId xmlns:p14="http://schemas.microsoft.com/office/powerpoint/2010/main" val="392709218"/>
+      </p:ext>
+    </p:extLst>
+  </p:cSld>
+  <p:clrMapOvr>
+    <a:masterClrMapping/>
+  </p:clrMapOvr>
+</p:sld>
+</file>
+
 <file path=ppt/slides/slide3.xml><?xml version="1.0" encoding="utf-8"?>
 <p:sld xmlns:a="http://schemas.openxmlformats.org/drawingml/2006/main" xmlns:r="http://schemas.openxmlformats.org/officeDocument/2006/relationships" xmlns:p="http://schemas.openxmlformats.org/presentationml/2006/main">
   <p:cSld>
@@ -6319,7 +9655,7 @@
             <a:fld id="{3445AF6D-F46D-415C-AD3E-77E0038AE70E}" type="datetime1">
               <a:rPr lang="de-DE" smtClean="0"/>
               <a:pPr/>
-              <a:t>15.07.2013</a:t>
+              <a:t>17.07.2013</a:t>
             </a:fld>
             <a:endParaRPr lang="de-DE"/>
           </a:p>
@@ -6426,6 +9762,1308 @@
 </p:sld>
 </file>
 
+<file path=ppt/slides/slide30.xml><?xml version="1.0" encoding="utf-8"?>
+<p:sld xmlns:a="http://schemas.openxmlformats.org/drawingml/2006/main" xmlns:r="http://schemas.openxmlformats.org/officeDocument/2006/relationships" xmlns:p="http://schemas.openxmlformats.org/presentationml/2006/main">
+  <p:cSld>
+    <p:spTree>
+      <p:nvGrpSpPr>
+        <p:cNvPr id="1" name=""/>
+        <p:cNvGrpSpPr/>
+        <p:nvPr/>
+      </p:nvGrpSpPr>
+      <p:grpSpPr>
+        <a:xfrm>
+          <a:off x="0" y="0"/>
+          <a:ext cx="0" cy="0"/>
+          <a:chOff x="0" y="0"/>
+          <a:chExt cx="0" cy="0"/>
+        </a:xfrm>
+      </p:grpSpPr>
+      <p:sp>
+        <p:nvSpPr>
+          <p:cNvPr id="2" name="Titel 1"/>
+          <p:cNvSpPr>
+            <a:spLocks noGrp="1"/>
+          </p:cNvSpPr>
+          <p:nvPr>
+            <p:ph type="title"/>
+          </p:nvPr>
+        </p:nvSpPr>
+        <p:spPr/>
+        <p:txBody>
+          <a:bodyPr/>
+          <a:lstStyle/>
+          <a:p>
+            <a:r>
+              <a:rPr lang="de-DE" dirty="0" err="1"/>
+              <a:t>Nearest</a:t>
+            </a:r>
+            <a:r>
+              <a:rPr lang="de-DE" dirty="0"/>
+              <a:t> </a:t>
+            </a:r>
+            <a:r>
+              <a:rPr lang="de-DE" dirty="0" err="1"/>
+              <a:t>Neighbor</a:t>
+            </a:r>
+            <a:r>
+              <a:rPr lang="de-DE" dirty="0"/>
+              <a:t> Data Description</a:t>
+            </a:r>
+          </a:p>
+        </p:txBody>
+      </p:sp>
+      <p:sp>
+        <p:nvSpPr>
+          <p:cNvPr id="3" name="Inhaltsplatzhalter 2"/>
+          <p:cNvSpPr>
+            <a:spLocks noGrp="1"/>
+          </p:cNvSpPr>
+          <p:nvPr>
+            <p:ph sz="half" idx="1"/>
+          </p:nvPr>
+        </p:nvSpPr>
+        <p:spPr>
+          <a:xfrm>
+            <a:off x="366111" y="1544087"/>
+            <a:ext cx="7704137" cy="2376735"/>
+          </a:xfrm>
+        </p:spPr>
+        <p:txBody>
+          <a:bodyPr/>
+          <a:lstStyle/>
+          <a:p>
+            <a:pPr marL="0" indent="0" algn="ctr">
+              <a:buNone/>
+            </a:pPr>
+            <a:endParaRPr lang="de-DE" dirty="0"/>
+          </a:p>
+        </p:txBody>
+      </p:sp>
+      <p:sp>
+        <p:nvSpPr>
+          <p:cNvPr id="5" name="Datumsplatzhalter 4"/>
+          <p:cNvSpPr>
+            <a:spLocks noGrp="1"/>
+          </p:cNvSpPr>
+          <p:nvPr>
+            <p:ph type="dt" sz="half" idx="10"/>
+          </p:nvPr>
+        </p:nvSpPr>
+        <p:spPr/>
+        <p:txBody>
+          <a:bodyPr/>
+          <a:lstStyle/>
+          <a:p>
+            <a:fld id="{3445AF6D-F46D-415C-AD3E-77E0038AE70E}" type="datetime1">
+              <a:rPr lang="de-DE" smtClean="0"/>
+              <a:pPr/>
+              <a:t>17.07.2013</a:t>
+            </a:fld>
+            <a:endParaRPr lang="de-DE"/>
+          </a:p>
+        </p:txBody>
+      </p:sp>
+      <p:sp>
+        <p:nvSpPr>
+          <p:cNvPr id="6" name="Fußzeilenplatzhalter 5"/>
+          <p:cNvSpPr>
+            <a:spLocks noGrp="1"/>
+          </p:cNvSpPr>
+          <p:nvPr>
+            <p:ph type="ftr" sz="quarter" idx="11"/>
+          </p:nvPr>
+        </p:nvSpPr>
+        <p:spPr/>
+        <p:txBody>
+          <a:bodyPr/>
+          <a:lstStyle/>
+          <a:p>
+            <a:pPr>
+              <a:defRPr/>
+            </a:pPr>
+            <a:r>
+              <a:rPr lang="de-DE" smtClean="0"/>
+              <a:t>Präsentationstitel</a:t>
+            </a:r>
+            <a:endParaRPr lang="de-DE"/>
+          </a:p>
+        </p:txBody>
+      </p:sp>
+      <p:sp>
+        <p:nvSpPr>
+          <p:cNvPr id="7" name="Foliennummernplatzhalter 6"/>
+          <p:cNvSpPr>
+            <a:spLocks noGrp="1"/>
+          </p:cNvSpPr>
+          <p:nvPr>
+            <p:ph type="sldNum" sz="quarter" idx="12"/>
+          </p:nvPr>
+        </p:nvSpPr>
+        <p:spPr/>
+        <p:txBody>
+          <a:bodyPr/>
+          <a:lstStyle/>
+          <a:p>
+            <a:fld id="{5F9299EF-AC70-49B0-AC02-B1CDF7ABB087}" type="slidenum">
+              <a:rPr lang="de-DE" smtClean="0"/>
+              <a:pPr/>
+              <a:t>30</a:t>
+            </a:fld>
+            <a:endParaRPr lang="de-DE"/>
+          </a:p>
+        </p:txBody>
+      </p:sp>
+      <p:pic>
+        <p:nvPicPr>
+          <p:cNvPr id="4" name="Inhaltsplatzhalter 3"/>
+          <p:cNvPicPr>
+            <a:picLocks noGrp="1" noChangeAspect="1"/>
+          </p:cNvPicPr>
+          <p:nvPr>
+            <p:ph sz="half" idx="2"/>
+          </p:nvPr>
+        </p:nvPicPr>
+        <p:blipFill>
+          <a:blip r:embed="rId2">
+            <a:extLst>
+              <a:ext uri="{28A0092B-C50C-407E-A947-70E740481C1C}">
+                <a14:useLocalDpi xmlns:a14="http://schemas.microsoft.com/office/drawing/2010/main" val="0"/>
+              </a:ext>
+            </a:extLst>
+          </a:blip>
+          <a:stretch>
+            <a:fillRect/>
+          </a:stretch>
+        </p:blipFill>
+        <p:spPr>
+          <a:xfrm>
+            <a:off x="1673597" y="3860800"/>
+            <a:ext cx="5090368" cy="2374900"/>
+          </a:xfrm>
+        </p:spPr>
+      </p:pic>
+    </p:spTree>
+    <p:extLst>
+      <p:ext uri="{BB962C8B-B14F-4D97-AF65-F5344CB8AC3E}">
+        <p14:creationId xmlns:p14="http://schemas.microsoft.com/office/powerpoint/2010/main" val="1116998907"/>
+      </p:ext>
+    </p:extLst>
+  </p:cSld>
+  <p:clrMapOvr>
+    <a:masterClrMapping/>
+  </p:clrMapOvr>
+</p:sld>
+</file>
+
+<file path=ppt/slides/slide31.xml><?xml version="1.0" encoding="utf-8"?>
+<p:sld xmlns:a="http://schemas.openxmlformats.org/drawingml/2006/main" xmlns:r="http://schemas.openxmlformats.org/officeDocument/2006/relationships" xmlns:p="http://schemas.openxmlformats.org/presentationml/2006/main">
+  <p:cSld>
+    <p:spTree>
+      <p:nvGrpSpPr>
+        <p:cNvPr id="1" name=""/>
+        <p:cNvGrpSpPr/>
+        <p:nvPr/>
+      </p:nvGrpSpPr>
+      <p:grpSpPr>
+        <a:xfrm>
+          <a:off x="0" y="0"/>
+          <a:ext cx="0" cy="0"/>
+          <a:chOff x="0" y="0"/>
+          <a:chExt cx="0" cy="0"/>
+        </a:xfrm>
+      </p:grpSpPr>
+      <p:sp>
+        <p:nvSpPr>
+          <p:cNvPr id="2" name="Titel 1"/>
+          <p:cNvSpPr>
+            <a:spLocks noGrp="1"/>
+          </p:cNvSpPr>
+          <p:nvPr>
+            <p:ph type="title"/>
+          </p:nvPr>
+        </p:nvSpPr>
+        <p:spPr/>
+        <p:txBody>
+          <a:bodyPr/>
+          <a:lstStyle/>
+          <a:p>
+            <a:r>
+              <a:rPr lang="de-DE" dirty="0" smtClean="0"/>
+              <a:t>Parzen </a:t>
+            </a:r>
+            <a:r>
+              <a:rPr lang="de-DE" dirty="0" err="1" smtClean="0"/>
+              <a:t>Window</a:t>
+            </a:r>
+            <a:r>
+              <a:rPr lang="de-DE" dirty="0" smtClean="0"/>
+              <a:t> Data Description</a:t>
+            </a:r>
+            <a:endParaRPr lang="de-DE" dirty="0"/>
+          </a:p>
+        </p:txBody>
+      </p:sp>
+      <p:sp>
+        <p:nvSpPr>
+          <p:cNvPr id="3" name="Inhaltsplatzhalter 2"/>
+          <p:cNvSpPr>
+            <a:spLocks noGrp="1"/>
+          </p:cNvSpPr>
+          <p:nvPr>
+            <p:ph sz="half" idx="1"/>
+          </p:nvPr>
+        </p:nvSpPr>
+        <p:spPr>
+          <a:xfrm>
+            <a:off x="366111" y="1544087"/>
+            <a:ext cx="7704137" cy="2376735"/>
+          </a:xfrm>
+        </p:spPr>
+        <p:txBody>
+          <a:bodyPr/>
+          <a:lstStyle/>
+          <a:p>
+            <a:pPr marL="0" indent="0" algn="ctr">
+              <a:buNone/>
+            </a:pPr>
+            <a:endParaRPr lang="de-DE" dirty="0"/>
+          </a:p>
+        </p:txBody>
+      </p:sp>
+      <p:sp>
+        <p:nvSpPr>
+          <p:cNvPr id="5" name="Datumsplatzhalter 4"/>
+          <p:cNvSpPr>
+            <a:spLocks noGrp="1"/>
+          </p:cNvSpPr>
+          <p:nvPr>
+            <p:ph type="dt" sz="half" idx="10"/>
+          </p:nvPr>
+        </p:nvSpPr>
+        <p:spPr/>
+        <p:txBody>
+          <a:bodyPr/>
+          <a:lstStyle/>
+          <a:p>
+            <a:fld id="{3445AF6D-F46D-415C-AD3E-77E0038AE70E}" type="datetime1">
+              <a:rPr lang="de-DE" smtClean="0"/>
+              <a:pPr/>
+              <a:t>17.07.2013</a:t>
+            </a:fld>
+            <a:endParaRPr lang="de-DE"/>
+          </a:p>
+        </p:txBody>
+      </p:sp>
+      <p:sp>
+        <p:nvSpPr>
+          <p:cNvPr id="6" name="Fußzeilenplatzhalter 5"/>
+          <p:cNvSpPr>
+            <a:spLocks noGrp="1"/>
+          </p:cNvSpPr>
+          <p:nvPr>
+            <p:ph type="ftr" sz="quarter" idx="11"/>
+          </p:nvPr>
+        </p:nvSpPr>
+        <p:spPr/>
+        <p:txBody>
+          <a:bodyPr/>
+          <a:lstStyle/>
+          <a:p>
+            <a:pPr>
+              <a:defRPr/>
+            </a:pPr>
+            <a:r>
+              <a:rPr lang="de-DE" smtClean="0"/>
+              <a:t>Präsentationstitel</a:t>
+            </a:r>
+            <a:endParaRPr lang="de-DE"/>
+          </a:p>
+        </p:txBody>
+      </p:sp>
+      <p:sp>
+        <p:nvSpPr>
+          <p:cNvPr id="7" name="Foliennummernplatzhalter 6"/>
+          <p:cNvSpPr>
+            <a:spLocks noGrp="1"/>
+          </p:cNvSpPr>
+          <p:nvPr>
+            <p:ph type="sldNum" sz="quarter" idx="12"/>
+          </p:nvPr>
+        </p:nvSpPr>
+        <p:spPr/>
+        <p:txBody>
+          <a:bodyPr/>
+          <a:lstStyle/>
+          <a:p>
+            <a:fld id="{5F9299EF-AC70-49B0-AC02-B1CDF7ABB087}" type="slidenum">
+              <a:rPr lang="de-DE" smtClean="0"/>
+              <a:pPr/>
+              <a:t>31</a:t>
+            </a:fld>
+            <a:endParaRPr lang="de-DE"/>
+          </a:p>
+        </p:txBody>
+      </p:sp>
+      <p:sp>
+        <p:nvSpPr>
+          <p:cNvPr id="8" name="Inhaltsplatzhalter 7"/>
+          <p:cNvSpPr>
+            <a:spLocks noGrp="1"/>
+          </p:cNvSpPr>
+          <p:nvPr>
+            <p:ph sz="half" idx="2"/>
+          </p:nvPr>
+        </p:nvSpPr>
+        <p:spPr>
+          <a:xfrm>
+            <a:off x="366110" y="3861048"/>
+            <a:ext cx="7704138" cy="2374652"/>
+          </a:xfrm>
+        </p:spPr>
+        <p:txBody>
+          <a:bodyPr/>
+          <a:lstStyle/>
+          <a:p>
+            <a:endParaRPr lang="de-DE" dirty="0"/>
+          </a:p>
+        </p:txBody>
+      </p:sp>
+    </p:spTree>
+    <p:extLst>
+      <p:ext uri="{BB962C8B-B14F-4D97-AF65-F5344CB8AC3E}">
+        <p14:creationId xmlns:p14="http://schemas.microsoft.com/office/powerpoint/2010/main" val="4200279055"/>
+      </p:ext>
+    </p:extLst>
+  </p:cSld>
+  <p:clrMapOvr>
+    <a:masterClrMapping/>
+  </p:clrMapOvr>
+</p:sld>
+</file>
+
+<file path=ppt/slides/slide32.xml><?xml version="1.0" encoding="utf-8"?>
+<p:sld xmlns:a="http://schemas.openxmlformats.org/drawingml/2006/main" xmlns:r="http://schemas.openxmlformats.org/officeDocument/2006/relationships" xmlns:p="http://schemas.openxmlformats.org/presentationml/2006/main">
+  <p:cSld>
+    <p:spTree>
+      <p:nvGrpSpPr>
+        <p:cNvPr id="1" name=""/>
+        <p:cNvGrpSpPr/>
+        <p:nvPr/>
+      </p:nvGrpSpPr>
+      <p:grpSpPr>
+        <a:xfrm>
+          <a:off x="0" y="0"/>
+          <a:ext cx="0" cy="0"/>
+          <a:chOff x="0" y="0"/>
+          <a:chExt cx="0" cy="0"/>
+        </a:xfrm>
+      </p:grpSpPr>
+      <p:sp>
+        <p:nvSpPr>
+          <p:cNvPr id="2" name="Titel 1"/>
+          <p:cNvSpPr>
+            <a:spLocks noGrp="1"/>
+          </p:cNvSpPr>
+          <p:nvPr>
+            <p:ph type="title"/>
+          </p:nvPr>
+        </p:nvSpPr>
+        <p:spPr/>
+        <p:txBody>
+          <a:bodyPr/>
+          <a:lstStyle/>
+          <a:p>
+            <a:r>
+              <a:rPr lang="de-DE" dirty="0"/>
+              <a:t>Parzen </a:t>
+            </a:r>
+            <a:r>
+              <a:rPr lang="de-DE" dirty="0" err="1"/>
+              <a:t>Window</a:t>
+            </a:r>
+            <a:r>
+              <a:rPr lang="de-DE" dirty="0"/>
+              <a:t> Data Description</a:t>
+            </a:r>
+          </a:p>
+        </p:txBody>
+      </p:sp>
+      <p:sp>
+        <p:nvSpPr>
+          <p:cNvPr id="3" name="Inhaltsplatzhalter 2"/>
+          <p:cNvSpPr>
+            <a:spLocks noGrp="1"/>
+          </p:cNvSpPr>
+          <p:nvPr>
+            <p:ph sz="half" idx="1"/>
+          </p:nvPr>
+        </p:nvSpPr>
+        <p:spPr>
+          <a:xfrm>
+            <a:off x="366111" y="1544087"/>
+            <a:ext cx="7704137" cy="2376735"/>
+          </a:xfrm>
+        </p:spPr>
+        <p:txBody>
+          <a:bodyPr/>
+          <a:lstStyle/>
+          <a:p>
+            <a:pPr marL="0" indent="0" algn="ctr">
+              <a:buNone/>
+            </a:pPr>
+            <a:endParaRPr lang="de-DE" dirty="0"/>
+          </a:p>
+        </p:txBody>
+      </p:sp>
+      <p:sp>
+        <p:nvSpPr>
+          <p:cNvPr id="5" name="Datumsplatzhalter 4"/>
+          <p:cNvSpPr>
+            <a:spLocks noGrp="1"/>
+          </p:cNvSpPr>
+          <p:nvPr>
+            <p:ph type="dt" sz="half" idx="10"/>
+          </p:nvPr>
+        </p:nvSpPr>
+        <p:spPr/>
+        <p:txBody>
+          <a:bodyPr/>
+          <a:lstStyle/>
+          <a:p>
+            <a:fld id="{3445AF6D-F46D-415C-AD3E-77E0038AE70E}" type="datetime1">
+              <a:rPr lang="de-DE" smtClean="0"/>
+              <a:pPr/>
+              <a:t>17.07.2013</a:t>
+            </a:fld>
+            <a:endParaRPr lang="de-DE"/>
+          </a:p>
+        </p:txBody>
+      </p:sp>
+      <p:sp>
+        <p:nvSpPr>
+          <p:cNvPr id="6" name="Fußzeilenplatzhalter 5"/>
+          <p:cNvSpPr>
+            <a:spLocks noGrp="1"/>
+          </p:cNvSpPr>
+          <p:nvPr>
+            <p:ph type="ftr" sz="quarter" idx="11"/>
+          </p:nvPr>
+        </p:nvSpPr>
+        <p:spPr/>
+        <p:txBody>
+          <a:bodyPr/>
+          <a:lstStyle/>
+          <a:p>
+            <a:pPr>
+              <a:defRPr/>
+            </a:pPr>
+            <a:r>
+              <a:rPr lang="de-DE" smtClean="0"/>
+              <a:t>Präsentationstitel</a:t>
+            </a:r>
+            <a:endParaRPr lang="de-DE"/>
+          </a:p>
+        </p:txBody>
+      </p:sp>
+      <p:sp>
+        <p:nvSpPr>
+          <p:cNvPr id="7" name="Foliennummernplatzhalter 6"/>
+          <p:cNvSpPr>
+            <a:spLocks noGrp="1"/>
+          </p:cNvSpPr>
+          <p:nvPr>
+            <p:ph type="sldNum" sz="quarter" idx="12"/>
+          </p:nvPr>
+        </p:nvSpPr>
+        <p:spPr/>
+        <p:txBody>
+          <a:bodyPr/>
+          <a:lstStyle/>
+          <a:p>
+            <a:fld id="{5F9299EF-AC70-49B0-AC02-B1CDF7ABB087}" type="slidenum">
+              <a:rPr lang="de-DE" smtClean="0"/>
+              <a:pPr/>
+              <a:t>32</a:t>
+            </a:fld>
+            <a:endParaRPr lang="de-DE"/>
+          </a:p>
+        </p:txBody>
+      </p:sp>
+      <p:pic>
+        <p:nvPicPr>
+          <p:cNvPr id="4" name="Inhaltsplatzhalter 3"/>
+          <p:cNvPicPr>
+            <a:picLocks noGrp="1" noChangeAspect="1"/>
+          </p:cNvPicPr>
+          <p:nvPr>
+            <p:ph sz="half" idx="2"/>
+          </p:nvPr>
+        </p:nvPicPr>
+        <p:blipFill>
+          <a:blip r:embed="rId2">
+            <a:extLst>
+              <a:ext uri="{28A0092B-C50C-407E-A947-70E740481C1C}">
+                <a14:useLocalDpi xmlns:a14="http://schemas.microsoft.com/office/drawing/2010/main" val="0"/>
+              </a:ext>
+            </a:extLst>
+          </a:blip>
+          <a:stretch>
+            <a:fillRect/>
+          </a:stretch>
+        </p:blipFill>
+        <p:spPr>
+          <a:xfrm>
+            <a:off x="1691680" y="3860800"/>
+            <a:ext cx="5040560" cy="2376512"/>
+          </a:xfrm>
+        </p:spPr>
+      </p:pic>
+    </p:spTree>
+    <p:extLst>
+      <p:ext uri="{BB962C8B-B14F-4D97-AF65-F5344CB8AC3E}">
+        <p14:creationId xmlns:p14="http://schemas.microsoft.com/office/powerpoint/2010/main" val="392709218"/>
+      </p:ext>
+    </p:extLst>
+  </p:cSld>
+  <p:clrMapOvr>
+    <a:masterClrMapping/>
+  </p:clrMapOvr>
+</p:sld>
+</file>
+
+<file path=ppt/slides/slide33.xml><?xml version="1.0" encoding="utf-8"?>
+<p:sld xmlns:a="http://schemas.openxmlformats.org/drawingml/2006/main" xmlns:r="http://schemas.openxmlformats.org/officeDocument/2006/relationships" xmlns:p="http://schemas.openxmlformats.org/presentationml/2006/main">
+  <p:cSld>
+    <p:spTree>
+      <p:nvGrpSpPr>
+        <p:cNvPr id="1" name=""/>
+        <p:cNvGrpSpPr/>
+        <p:nvPr/>
+      </p:nvGrpSpPr>
+      <p:grpSpPr>
+        <a:xfrm>
+          <a:off x="0" y="0"/>
+          <a:ext cx="0" cy="0"/>
+          <a:chOff x="0" y="0"/>
+          <a:chExt cx="0" cy="0"/>
+        </a:xfrm>
+      </p:grpSpPr>
+      <p:sp>
+        <p:nvSpPr>
+          <p:cNvPr id="2" name="Titel 1"/>
+          <p:cNvSpPr>
+            <a:spLocks noGrp="1"/>
+          </p:cNvSpPr>
+          <p:nvPr>
+            <p:ph type="title"/>
+          </p:nvPr>
+        </p:nvSpPr>
+        <p:spPr/>
+        <p:txBody>
+          <a:bodyPr/>
+          <a:lstStyle/>
+          <a:p>
+            <a:r>
+              <a:rPr lang="de-DE" dirty="0"/>
+              <a:t>Parzen </a:t>
+            </a:r>
+            <a:r>
+              <a:rPr lang="de-DE" dirty="0" err="1"/>
+              <a:t>Window</a:t>
+            </a:r>
+            <a:r>
+              <a:rPr lang="de-DE" dirty="0"/>
+              <a:t> Data Description</a:t>
+            </a:r>
+          </a:p>
+        </p:txBody>
+      </p:sp>
+      <p:sp>
+        <p:nvSpPr>
+          <p:cNvPr id="3" name="Inhaltsplatzhalter 2"/>
+          <p:cNvSpPr>
+            <a:spLocks noGrp="1"/>
+          </p:cNvSpPr>
+          <p:nvPr>
+            <p:ph sz="half" idx="1"/>
+          </p:nvPr>
+        </p:nvSpPr>
+        <p:spPr>
+          <a:xfrm>
+            <a:off x="366111" y="1544087"/>
+            <a:ext cx="7704137" cy="2376735"/>
+          </a:xfrm>
+        </p:spPr>
+        <p:txBody>
+          <a:bodyPr/>
+          <a:lstStyle/>
+          <a:p>
+            <a:pPr marL="0" indent="0" algn="ctr">
+              <a:buNone/>
+            </a:pPr>
+            <a:endParaRPr lang="de-DE" dirty="0"/>
+          </a:p>
+        </p:txBody>
+      </p:sp>
+      <p:sp>
+        <p:nvSpPr>
+          <p:cNvPr id="5" name="Datumsplatzhalter 4"/>
+          <p:cNvSpPr>
+            <a:spLocks noGrp="1"/>
+          </p:cNvSpPr>
+          <p:nvPr>
+            <p:ph type="dt" sz="half" idx="10"/>
+          </p:nvPr>
+        </p:nvSpPr>
+        <p:spPr/>
+        <p:txBody>
+          <a:bodyPr/>
+          <a:lstStyle/>
+          <a:p>
+            <a:fld id="{3445AF6D-F46D-415C-AD3E-77E0038AE70E}" type="datetime1">
+              <a:rPr lang="de-DE" smtClean="0"/>
+              <a:pPr/>
+              <a:t>17.07.2013</a:t>
+            </a:fld>
+            <a:endParaRPr lang="de-DE"/>
+          </a:p>
+        </p:txBody>
+      </p:sp>
+      <p:sp>
+        <p:nvSpPr>
+          <p:cNvPr id="6" name="Fußzeilenplatzhalter 5"/>
+          <p:cNvSpPr>
+            <a:spLocks noGrp="1"/>
+          </p:cNvSpPr>
+          <p:nvPr>
+            <p:ph type="ftr" sz="quarter" idx="11"/>
+          </p:nvPr>
+        </p:nvSpPr>
+        <p:spPr/>
+        <p:txBody>
+          <a:bodyPr/>
+          <a:lstStyle/>
+          <a:p>
+            <a:pPr>
+              <a:defRPr/>
+            </a:pPr>
+            <a:r>
+              <a:rPr lang="de-DE" smtClean="0"/>
+              <a:t>Präsentationstitel</a:t>
+            </a:r>
+            <a:endParaRPr lang="de-DE"/>
+          </a:p>
+        </p:txBody>
+      </p:sp>
+      <p:sp>
+        <p:nvSpPr>
+          <p:cNvPr id="7" name="Foliennummernplatzhalter 6"/>
+          <p:cNvSpPr>
+            <a:spLocks noGrp="1"/>
+          </p:cNvSpPr>
+          <p:nvPr>
+            <p:ph type="sldNum" sz="quarter" idx="12"/>
+          </p:nvPr>
+        </p:nvSpPr>
+        <p:spPr/>
+        <p:txBody>
+          <a:bodyPr/>
+          <a:lstStyle/>
+          <a:p>
+            <a:fld id="{5F9299EF-AC70-49B0-AC02-B1CDF7ABB087}" type="slidenum">
+              <a:rPr lang="de-DE" smtClean="0"/>
+              <a:pPr/>
+              <a:t>33</a:t>
+            </a:fld>
+            <a:endParaRPr lang="de-DE"/>
+          </a:p>
+        </p:txBody>
+      </p:sp>
+      <p:pic>
+        <p:nvPicPr>
+          <p:cNvPr id="4" name="Inhaltsplatzhalter 3"/>
+          <p:cNvPicPr>
+            <a:picLocks noGrp="1" noChangeAspect="1"/>
+          </p:cNvPicPr>
+          <p:nvPr>
+            <p:ph sz="half" idx="2"/>
+          </p:nvPr>
+        </p:nvPicPr>
+        <p:blipFill>
+          <a:blip r:embed="rId2">
+            <a:extLst>
+              <a:ext uri="{28A0092B-C50C-407E-A947-70E740481C1C}">
+                <a14:useLocalDpi xmlns:a14="http://schemas.microsoft.com/office/drawing/2010/main" val="0"/>
+              </a:ext>
+            </a:extLst>
+          </a:blip>
+          <a:stretch>
+            <a:fillRect/>
+          </a:stretch>
+        </p:blipFill>
+        <p:spPr>
+          <a:xfrm>
+            <a:off x="1673597" y="3860800"/>
+            <a:ext cx="5090368" cy="2374900"/>
+          </a:xfrm>
+        </p:spPr>
+      </p:pic>
+    </p:spTree>
+    <p:extLst>
+      <p:ext uri="{BB962C8B-B14F-4D97-AF65-F5344CB8AC3E}">
+        <p14:creationId xmlns:p14="http://schemas.microsoft.com/office/powerpoint/2010/main" val="1116998907"/>
+      </p:ext>
+    </p:extLst>
+  </p:cSld>
+  <p:clrMapOvr>
+    <a:masterClrMapping/>
+  </p:clrMapOvr>
+</p:sld>
+</file>
+
+<file path=ppt/slides/slide34.xml><?xml version="1.0" encoding="utf-8"?>
+<p:sld xmlns:a="http://schemas.openxmlformats.org/drawingml/2006/main" xmlns:r="http://schemas.openxmlformats.org/officeDocument/2006/relationships" xmlns:p="http://schemas.openxmlformats.org/presentationml/2006/main">
+  <p:cSld>
+    <p:spTree>
+      <p:nvGrpSpPr>
+        <p:cNvPr id="1" name=""/>
+        <p:cNvGrpSpPr/>
+        <p:nvPr/>
+      </p:nvGrpSpPr>
+      <p:grpSpPr>
+        <a:xfrm>
+          <a:off x="0" y="0"/>
+          <a:ext cx="0" cy="0"/>
+          <a:chOff x="0" y="0"/>
+          <a:chExt cx="0" cy="0"/>
+        </a:xfrm>
+      </p:grpSpPr>
+      <p:sp>
+        <p:nvSpPr>
+          <p:cNvPr id="2" name="Titel 1"/>
+          <p:cNvSpPr>
+            <a:spLocks noGrp="1"/>
+          </p:cNvSpPr>
+          <p:nvPr>
+            <p:ph type="title"/>
+          </p:nvPr>
+        </p:nvSpPr>
+        <p:spPr/>
+        <p:txBody>
+          <a:bodyPr/>
+          <a:lstStyle/>
+          <a:p>
+            <a:r>
+              <a:rPr lang="de-DE" dirty="0" smtClean="0"/>
+              <a:t>SOM Data Description</a:t>
+            </a:r>
+            <a:endParaRPr lang="de-DE" dirty="0"/>
+          </a:p>
+        </p:txBody>
+      </p:sp>
+      <p:sp>
+        <p:nvSpPr>
+          <p:cNvPr id="3" name="Inhaltsplatzhalter 2"/>
+          <p:cNvSpPr>
+            <a:spLocks noGrp="1"/>
+          </p:cNvSpPr>
+          <p:nvPr>
+            <p:ph sz="half" idx="1"/>
+          </p:nvPr>
+        </p:nvSpPr>
+        <p:spPr>
+          <a:xfrm>
+            <a:off x="366111" y="1544087"/>
+            <a:ext cx="7704137" cy="2376735"/>
+          </a:xfrm>
+        </p:spPr>
+        <p:txBody>
+          <a:bodyPr/>
+          <a:lstStyle/>
+          <a:p>
+            <a:pPr marL="0" indent="0" algn="ctr">
+              <a:buNone/>
+            </a:pPr>
+            <a:endParaRPr lang="de-DE" dirty="0"/>
+          </a:p>
+        </p:txBody>
+      </p:sp>
+      <p:sp>
+        <p:nvSpPr>
+          <p:cNvPr id="5" name="Datumsplatzhalter 4"/>
+          <p:cNvSpPr>
+            <a:spLocks noGrp="1"/>
+          </p:cNvSpPr>
+          <p:nvPr>
+            <p:ph type="dt" sz="half" idx="10"/>
+          </p:nvPr>
+        </p:nvSpPr>
+        <p:spPr/>
+        <p:txBody>
+          <a:bodyPr/>
+          <a:lstStyle/>
+          <a:p>
+            <a:fld id="{3445AF6D-F46D-415C-AD3E-77E0038AE70E}" type="datetime1">
+              <a:rPr lang="de-DE" smtClean="0"/>
+              <a:pPr/>
+              <a:t>17.07.2013</a:t>
+            </a:fld>
+            <a:endParaRPr lang="de-DE"/>
+          </a:p>
+        </p:txBody>
+      </p:sp>
+      <p:sp>
+        <p:nvSpPr>
+          <p:cNvPr id="6" name="Fußzeilenplatzhalter 5"/>
+          <p:cNvSpPr>
+            <a:spLocks noGrp="1"/>
+          </p:cNvSpPr>
+          <p:nvPr>
+            <p:ph type="ftr" sz="quarter" idx="11"/>
+          </p:nvPr>
+        </p:nvSpPr>
+        <p:spPr/>
+        <p:txBody>
+          <a:bodyPr/>
+          <a:lstStyle/>
+          <a:p>
+            <a:pPr>
+              <a:defRPr/>
+            </a:pPr>
+            <a:r>
+              <a:rPr lang="de-DE" smtClean="0"/>
+              <a:t>Präsentationstitel</a:t>
+            </a:r>
+            <a:endParaRPr lang="de-DE"/>
+          </a:p>
+        </p:txBody>
+      </p:sp>
+      <p:sp>
+        <p:nvSpPr>
+          <p:cNvPr id="7" name="Foliennummernplatzhalter 6"/>
+          <p:cNvSpPr>
+            <a:spLocks noGrp="1"/>
+          </p:cNvSpPr>
+          <p:nvPr>
+            <p:ph type="sldNum" sz="quarter" idx="12"/>
+          </p:nvPr>
+        </p:nvSpPr>
+        <p:spPr/>
+        <p:txBody>
+          <a:bodyPr/>
+          <a:lstStyle/>
+          <a:p>
+            <a:fld id="{5F9299EF-AC70-49B0-AC02-B1CDF7ABB087}" type="slidenum">
+              <a:rPr lang="de-DE" smtClean="0"/>
+              <a:pPr/>
+              <a:t>34</a:t>
+            </a:fld>
+            <a:endParaRPr lang="de-DE"/>
+          </a:p>
+        </p:txBody>
+      </p:sp>
+      <p:sp>
+        <p:nvSpPr>
+          <p:cNvPr id="8" name="Inhaltsplatzhalter 7"/>
+          <p:cNvSpPr>
+            <a:spLocks noGrp="1"/>
+          </p:cNvSpPr>
+          <p:nvPr>
+            <p:ph sz="half" idx="2"/>
+          </p:nvPr>
+        </p:nvSpPr>
+        <p:spPr>
+          <a:xfrm>
+            <a:off x="366110" y="3861048"/>
+            <a:ext cx="7704138" cy="2374652"/>
+          </a:xfrm>
+        </p:spPr>
+        <p:txBody>
+          <a:bodyPr/>
+          <a:lstStyle/>
+          <a:p>
+            <a:endParaRPr lang="de-DE" dirty="0"/>
+          </a:p>
+        </p:txBody>
+      </p:sp>
+    </p:spTree>
+    <p:extLst>
+      <p:ext uri="{BB962C8B-B14F-4D97-AF65-F5344CB8AC3E}">
+        <p14:creationId xmlns:p14="http://schemas.microsoft.com/office/powerpoint/2010/main" val="4200279055"/>
+      </p:ext>
+    </p:extLst>
+  </p:cSld>
+  <p:clrMapOvr>
+    <a:masterClrMapping/>
+  </p:clrMapOvr>
+</p:sld>
+</file>
+
+<file path=ppt/slides/slide35.xml><?xml version="1.0" encoding="utf-8"?>
+<p:sld xmlns:a="http://schemas.openxmlformats.org/drawingml/2006/main" xmlns:r="http://schemas.openxmlformats.org/officeDocument/2006/relationships" xmlns:p="http://schemas.openxmlformats.org/presentationml/2006/main">
+  <p:cSld>
+    <p:spTree>
+      <p:nvGrpSpPr>
+        <p:cNvPr id="1" name=""/>
+        <p:cNvGrpSpPr/>
+        <p:nvPr/>
+      </p:nvGrpSpPr>
+      <p:grpSpPr>
+        <a:xfrm>
+          <a:off x="0" y="0"/>
+          <a:ext cx="0" cy="0"/>
+          <a:chOff x="0" y="0"/>
+          <a:chExt cx="0" cy="0"/>
+        </a:xfrm>
+      </p:grpSpPr>
+      <p:sp>
+        <p:nvSpPr>
+          <p:cNvPr id="2" name="Titel 1"/>
+          <p:cNvSpPr>
+            <a:spLocks noGrp="1"/>
+          </p:cNvSpPr>
+          <p:nvPr>
+            <p:ph type="title"/>
+          </p:nvPr>
+        </p:nvSpPr>
+        <p:spPr/>
+        <p:txBody>
+          <a:bodyPr/>
+          <a:lstStyle/>
+          <a:p>
+            <a:r>
+              <a:rPr lang="de-DE" dirty="0"/>
+              <a:t>SOM Data Description</a:t>
+            </a:r>
+          </a:p>
+        </p:txBody>
+      </p:sp>
+      <p:sp>
+        <p:nvSpPr>
+          <p:cNvPr id="3" name="Inhaltsplatzhalter 2"/>
+          <p:cNvSpPr>
+            <a:spLocks noGrp="1"/>
+          </p:cNvSpPr>
+          <p:nvPr>
+            <p:ph sz="half" idx="1"/>
+          </p:nvPr>
+        </p:nvSpPr>
+        <p:spPr>
+          <a:xfrm>
+            <a:off x="366111" y="1544087"/>
+            <a:ext cx="7704137" cy="2376735"/>
+          </a:xfrm>
+        </p:spPr>
+        <p:txBody>
+          <a:bodyPr/>
+          <a:lstStyle/>
+          <a:p>
+            <a:pPr marL="0" indent="0" algn="ctr">
+              <a:buNone/>
+            </a:pPr>
+            <a:endParaRPr lang="de-DE" dirty="0"/>
+          </a:p>
+        </p:txBody>
+      </p:sp>
+      <p:sp>
+        <p:nvSpPr>
+          <p:cNvPr id="5" name="Datumsplatzhalter 4"/>
+          <p:cNvSpPr>
+            <a:spLocks noGrp="1"/>
+          </p:cNvSpPr>
+          <p:nvPr>
+            <p:ph type="dt" sz="half" idx="10"/>
+          </p:nvPr>
+        </p:nvSpPr>
+        <p:spPr/>
+        <p:txBody>
+          <a:bodyPr/>
+          <a:lstStyle/>
+          <a:p>
+            <a:fld id="{3445AF6D-F46D-415C-AD3E-77E0038AE70E}" type="datetime1">
+              <a:rPr lang="de-DE" smtClean="0"/>
+              <a:pPr/>
+              <a:t>17.07.2013</a:t>
+            </a:fld>
+            <a:endParaRPr lang="de-DE"/>
+          </a:p>
+        </p:txBody>
+      </p:sp>
+      <p:sp>
+        <p:nvSpPr>
+          <p:cNvPr id="6" name="Fußzeilenplatzhalter 5"/>
+          <p:cNvSpPr>
+            <a:spLocks noGrp="1"/>
+          </p:cNvSpPr>
+          <p:nvPr>
+            <p:ph type="ftr" sz="quarter" idx="11"/>
+          </p:nvPr>
+        </p:nvSpPr>
+        <p:spPr/>
+        <p:txBody>
+          <a:bodyPr/>
+          <a:lstStyle/>
+          <a:p>
+            <a:pPr>
+              <a:defRPr/>
+            </a:pPr>
+            <a:r>
+              <a:rPr lang="de-DE" smtClean="0"/>
+              <a:t>Präsentationstitel</a:t>
+            </a:r>
+            <a:endParaRPr lang="de-DE"/>
+          </a:p>
+        </p:txBody>
+      </p:sp>
+      <p:sp>
+        <p:nvSpPr>
+          <p:cNvPr id="7" name="Foliennummernplatzhalter 6"/>
+          <p:cNvSpPr>
+            <a:spLocks noGrp="1"/>
+          </p:cNvSpPr>
+          <p:nvPr>
+            <p:ph type="sldNum" sz="quarter" idx="12"/>
+          </p:nvPr>
+        </p:nvSpPr>
+        <p:spPr/>
+        <p:txBody>
+          <a:bodyPr/>
+          <a:lstStyle/>
+          <a:p>
+            <a:fld id="{5F9299EF-AC70-49B0-AC02-B1CDF7ABB087}" type="slidenum">
+              <a:rPr lang="de-DE" smtClean="0"/>
+              <a:pPr/>
+              <a:t>35</a:t>
+            </a:fld>
+            <a:endParaRPr lang="de-DE"/>
+          </a:p>
+        </p:txBody>
+      </p:sp>
+      <p:pic>
+        <p:nvPicPr>
+          <p:cNvPr id="4" name="Inhaltsplatzhalter 3"/>
+          <p:cNvPicPr>
+            <a:picLocks noGrp="1" noChangeAspect="1"/>
+          </p:cNvPicPr>
+          <p:nvPr>
+            <p:ph sz="half" idx="2"/>
+          </p:nvPr>
+        </p:nvPicPr>
+        <p:blipFill>
+          <a:blip r:embed="rId2">
+            <a:extLst>
+              <a:ext uri="{28A0092B-C50C-407E-A947-70E740481C1C}">
+                <a14:useLocalDpi xmlns:a14="http://schemas.microsoft.com/office/drawing/2010/main" val="0"/>
+              </a:ext>
+            </a:extLst>
+          </a:blip>
+          <a:stretch>
+            <a:fillRect/>
+          </a:stretch>
+        </p:blipFill>
+        <p:spPr>
+          <a:xfrm>
+            <a:off x="1691680" y="3860800"/>
+            <a:ext cx="5040560" cy="2376512"/>
+          </a:xfrm>
+        </p:spPr>
+      </p:pic>
+    </p:spTree>
+    <p:extLst>
+      <p:ext uri="{BB962C8B-B14F-4D97-AF65-F5344CB8AC3E}">
+        <p14:creationId xmlns:p14="http://schemas.microsoft.com/office/powerpoint/2010/main" val="392709218"/>
+      </p:ext>
+    </p:extLst>
+  </p:cSld>
+  <p:clrMapOvr>
+    <a:masterClrMapping/>
+  </p:clrMapOvr>
+</p:sld>
+</file>
+
+<file path=ppt/slides/slide36.xml><?xml version="1.0" encoding="utf-8"?>
+<p:sld xmlns:a="http://schemas.openxmlformats.org/drawingml/2006/main" xmlns:r="http://schemas.openxmlformats.org/officeDocument/2006/relationships" xmlns:p="http://schemas.openxmlformats.org/presentationml/2006/main">
+  <p:cSld>
+    <p:spTree>
+      <p:nvGrpSpPr>
+        <p:cNvPr id="1" name=""/>
+        <p:cNvGrpSpPr/>
+        <p:nvPr/>
+      </p:nvGrpSpPr>
+      <p:grpSpPr>
+        <a:xfrm>
+          <a:off x="0" y="0"/>
+          <a:ext cx="0" cy="0"/>
+          <a:chOff x="0" y="0"/>
+          <a:chExt cx="0" cy="0"/>
+        </a:xfrm>
+      </p:grpSpPr>
+      <p:sp>
+        <p:nvSpPr>
+          <p:cNvPr id="2" name="Titel 1"/>
+          <p:cNvSpPr>
+            <a:spLocks noGrp="1"/>
+          </p:cNvSpPr>
+          <p:nvPr>
+            <p:ph type="title"/>
+          </p:nvPr>
+        </p:nvSpPr>
+        <p:spPr/>
+        <p:txBody>
+          <a:bodyPr/>
+          <a:lstStyle/>
+          <a:p>
+            <a:r>
+              <a:rPr lang="de-DE" dirty="0"/>
+              <a:t>SOM Data Description</a:t>
+            </a:r>
+          </a:p>
+        </p:txBody>
+      </p:sp>
+      <p:sp>
+        <p:nvSpPr>
+          <p:cNvPr id="3" name="Inhaltsplatzhalter 2"/>
+          <p:cNvSpPr>
+            <a:spLocks noGrp="1"/>
+          </p:cNvSpPr>
+          <p:nvPr>
+            <p:ph sz="half" idx="1"/>
+          </p:nvPr>
+        </p:nvSpPr>
+        <p:spPr>
+          <a:xfrm>
+            <a:off x="366111" y="1544087"/>
+            <a:ext cx="7704137" cy="2376735"/>
+          </a:xfrm>
+        </p:spPr>
+        <p:txBody>
+          <a:bodyPr/>
+          <a:lstStyle/>
+          <a:p>
+            <a:pPr marL="0" indent="0" algn="ctr">
+              <a:buNone/>
+            </a:pPr>
+            <a:endParaRPr lang="de-DE" dirty="0"/>
+          </a:p>
+        </p:txBody>
+      </p:sp>
+      <p:sp>
+        <p:nvSpPr>
+          <p:cNvPr id="5" name="Datumsplatzhalter 4"/>
+          <p:cNvSpPr>
+            <a:spLocks noGrp="1"/>
+          </p:cNvSpPr>
+          <p:nvPr>
+            <p:ph type="dt" sz="half" idx="10"/>
+          </p:nvPr>
+        </p:nvSpPr>
+        <p:spPr/>
+        <p:txBody>
+          <a:bodyPr/>
+          <a:lstStyle/>
+          <a:p>
+            <a:fld id="{3445AF6D-F46D-415C-AD3E-77E0038AE70E}" type="datetime1">
+              <a:rPr lang="de-DE" smtClean="0"/>
+              <a:pPr/>
+              <a:t>17.07.2013</a:t>
+            </a:fld>
+            <a:endParaRPr lang="de-DE"/>
+          </a:p>
+        </p:txBody>
+      </p:sp>
+      <p:sp>
+        <p:nvSpPr>
+          <p:cNvPr id="6" name="Fußzeilenplatzhalter 5"/>
+          <p:cNvSpPr>
+            <a:spLocks noGrp="1"/>
+          </p:cNvSpPr>
+          <p:nvPr>
+            <p:ph type="ftr" sz="quarter" idx="11"/>
+          </p:nvPr>
+        </p:nvSpPr>
+        <p:spPr/>
+        <p:txBody>
+          <a:bodyPr/>
+          <a:lstStyle/>
+          <a:p>
+            <a:pPr>
+              <a:defRPr/>
+            </a:pPr>
+            <a:r>
+              <a:rPr lang="de-DE" smtClean="0"/>
+              <a:t>Präsentationstitel</a:t>
+            </a:r>
+            <a:endParaRPr lang="de-DE"/>
+          </a:p>
+        </p:txBody>
+      </p:sp>
+      <p:sp>
+        <p:nvSpPr>
+          <p:cNvPr id="7" name="Foliennummernplatzhalter 6"/>
+          <p:cNvSpPr>
+            <a:spLocks noGrp="1"/>
+          </p:cNvSpPr>
+          <p:nvPr>
+            <p:ph type="sldNum" sz="quarter" idx="12"/>
+          </p:nvPr>
+        </p:nvSpPr>
+        <p:spPr/>
+        <p:txBody>
+          <a:bodyPr/>
+          <a:lstStyle/>
+          <a:p>
+            <a:fld id="{5F9299EF-AC70-49B0-AC02-B1CDF7ABB087}" type="slidenum">
+              <a:rPr lang="de-DE" smtClean="0"/>
+              <a:pPr/>
+              <a:t>36</a:t>
+            </a:fld>
+            <a:endParaRPr lang="de-DE"/>
+          </a:p>
+        </p:txBody>
+      </p:sp>
+      <p:pic>
+        <p:nvPicPr>
+          <p:cNvPr id="4" name="Inhaltsplatzhalter 3"/>
+          <p:cNvPicPr>
+            <a:picLocks noGrp="1" noChangeAspect="1"/>
+          </p:cNvPicPr>
+          <p:nvPr>
+            <p:ph sz="half" idx="2"/>
+          </p:nvPr>
+        </p:nvPicPr>
+        <p:blipFill>
+          <a:blip r:embed="rId2">
+            <a:extLst>
+              <a:ext uri="{28A0092B-C50C-407E-A947-70E740481C1C}">
+                <a14:useLocalDpi xmlns:a14="http://schemas.microsoft.com/office/drawing/2010/main" val="0"/>
+              </a:ext>
+            </a:extLst>
+          </a:blip>
+          <a:stretch>
+            <a:fillRect/>
+          </a:stretch>
+        </p:blipFill>
+        <p:spPr>
+          <a:xfrm>
+            <a:off x="1673597" y="3860800"/>
+            <a:ext cx="5090368" cy="2374900"/>
+          </a:xfrm>
+        </p:spPr>
+      </p:pic>
+    </p:spTree>
+    <p:extLst>
+      <p:ext uri="{BB962C8B-B14F-4D97-AF65-F5344CB8AC3E}">
+        <p14:creationId xmlns:p14="http://schemas.microsoft.com/office/powerpoint/2010/main" val="1116998907"/>
+      </p:ext>
+    </p:extLst>
+  </p:cSld>
+  <p:clrMapOvr>
+    <a:masterClrMapping/>
+  </p:clrMapOvr>
+</p:sld>
+</file>
+
 <file path=ppt/slides/slide4.xml><?xml version="1.0" encoding="utf-8"?>
 <p:sld xmlns:a="http://schemas.openxmlformats.org/drawingml/2006/main" xmlns:r="http://schemas.openxmlformats.org/officeDocument/2006/relationships" xmlns:p="http://schemas.openxmlformats.org/presentationml/2006/main">
   <p:cSld>
@@ -6514,7 +11152,7 @@
             <a:fld id="{3445AF6D-F46D-415C-AD3E-77E0038AE70E}" type="datetime1">
               <a:rPr lang="de-DE" smtClean="0"/>
               <a:pPr/>
-              <a:t>15.07.2013</a:t>
+              <a:t>17.07.2013</a:t>
             </a:fld>
             <a:endParaRPr lang="de-DE"/>
           </a:p>
@@ -6709,7 +11347,7 @@
             <a:fld id="{3445AF6D-F46D-415C-AD3E-77E0038AE70E}" type="datetime1">
               <a:rPr lang="de-DE" smtClean="0"/>
               <a:pPr/>
-              <a:t>15.07.2013</a:t>
+              <a:t>17.07.2013</a:t>
             </a:fld>
             <a:endParaRPr lang="de-DE"/>
           </a:p>
@@ -6904,7 +11542,7 @@
             <a:fld id="{3445AF6D-F46D-415C-AD3E-77E0038AE70E}" type="datetime1">
               <a:rPr lang="de-DE" smtClean="0"/>
               <a:pPr/>
-              <a:t>15.07.2013</a:t>
+              <a:t>17.07.2013</a:t>
             </a:fld>
             <a:endParaRPr lang="de-DE"/>
           </a:p>
@@ -7099,7 +11737,7 @@
             <a:fld id="{3445AF6D-F46D-415C-AD3E-77E0038AE70E}" type="datetime1">
               <a:rPr lang="de-DE" smtClean="0"/>
               <a:pPr/>
-              <a:t>15.07.2013</a:t>
+              <a:t>17.07.2013</a:t>
             </a:fld>
             <a:endParaRPr lang="de-DE"/>
           </a:p>
@@ -7294,7 +11932,7 @@
             <a:fld id="{3445AF6D-F46D-415C-AD3E-77E0038AE70E}" type="datetime1">
               <a:rPr lang="de-DE" smtClean="0"/>
               <a:pPr/>
-              <a:t>15.07.2013</a:t>
+              <a:t>17.07.2013</a:t>
             </a:fld>
             <a:endParaRPr lang="de-DE"/>
           </a:p>
@@ -7489,7 +12127,7 @@
             <a:fld id="{3445AF6D-F46D-415C-AD3E-77E0038AE70E}" type="datetime1">
               <a:rPr lang="de-DE" smtClean="0"/>
               <a:pPr/>
-              <a:t>15.07.2013</a:t>
+              <a:t>17.07.2013</a:t>
             </a:fld>
             <a:endParaRPr lang="de-DE"/>
           </a:p>
